--- a/전체/전체.pptx
+++ b/전체/전체.pptx
@@ -2984,10 +2984,10 @@
       </p:grpSpPr>
       <p:grpSp>
         <p:nvGrpSpPr>
-          <p:cNvPr id="2" name="그룹 1">
+          <p:cNvPr id="3" name="그룹 2">
             <a:extLst>
               <a:ext uri="{FF2B5EF4-FFF2-40B4-BE49-F238E27FC236}">
-                <a16:creationId xmlns:a16="http://schemas.microsoft.com/office/drawing/2014/main" id="{02F7F8D1-DD60-4C88-AA67-DD936C47E138}"/>
+                <a16:creationId xmlns:a16="http://schemas.microsoft.com/office/drawing/2014/main" id="{85A8AA4E-FBC7-407D-8C7A-6FFB47A4DD0A}"/>
               </a:ext>
             </a:extLst>
           </p:cNvPr>
@@ -2996,18 +2996,18 @@
         </p:nvGrpSpPr>
         <p:grpSpPr>
           <a:xfrm>
-            <a:off x="-2382" y="1470973"/>
-            <a:ext cx="6122195" cy="25529227"/>
-            <a:chOff x="-1589" y="2666"/>
-            <a:chExt cx="6122195" cy="25529227"/>
+            <a:off x="-25233" y="879061"/>
+            <a:ext cx="6170279" cy="26121139"/>
+            <a:chOff x="-25233" y="879061"/>
+            <a:chExt cx="6170279" cy="26121139"/>
           </a:xfrm>
         </p:grpSpPr>
         <p:grpSp>
           <p:nvGrpSpPr>
-            <p:cNvPr id="4" name="그룹 3">
+            <p:cNvPr id="2" name="그룹 1">
               <a:extLst>
                 <a:ext uri="{FF2B5EF4-FFF2-40B4-BE49-F238E27FC236}">
-                  <a16:creationId xmlns:a16="http://schemas.microsoft.com/office/drawing/2014/main" id="{BDDB76A5-F376-4266-BFA0-D87DA2FA036F}"/>
+                  <a16:creationId xmlns:a16="http://schemas.microsoft.com/office/drawing/2014/main" id="{02F7F8D1-DD60-4C88-AA67-DD936C47E138}"/>
                 </a:ext>
               </a:extLst>
             </p:cNvPr>
@@ -3016,118 +3016,18 @@
           </p:nvGrpSpPr>
           <p:grpSpPr>
             <a:xfrm>
-              <a:off x="0" y="2666"/>
-              <a:ext cx="6119018" cy="5398009"/>
-              <a:chOff x="0" y="2666"/>
-              <a:chExt cx="6119018" cy="5398009"/>
+              <a:off x="-2382" y="1470973"/>
+              <a:ext cx="6122195" cy="25529227"/>
+              <a:chOff x="-1589" y="2666"/>
+              <a:chExt cx="6122195" cy="25529227"/>
             </a:xfrm>
           </p:grpSpPr>
-          <p:sp>
-            <p:nvSpPr>
-              <p:cNvPr id="5" name="직사각형 4">
+          <p:grpSp>
+            <p:nvGrpSpPr>
+              <p:cNvPr id="4" name="그룹 3">
                 <a:extLst>
                   <a:ext uri="{FF2B5EF4-FFF2-40B4-BE49-F238E27FC236}">
-                    <a16:creationId xmlns:a16="http://schemas.microsoft.com/office/drawing/2014/main" id="{FA8ABCF2-90B7-4621-B712-80BDE60EC3A5}"/>
-                  </a:ext>
-                </a:extLst>
-              </p:cNvPr>
-              <p:cNvSpPr/>
-              <p:nvPr/>
-            </p:nvSpPr>
-            <p:spPr>
-              <a:xfrm>
-                <a:off x="0" y="2666"/>
-                <a:ext cx="6119018" cy="5398009"/>
-              </a:xfrm>
-              <a:prstGeom prst="rect">
-                <a:avLst/>
-              </a:prstGeom>
-              <a:solidFill>
-                <a:schemeClr val="bg1"/>
-              </a:solidFill>
-              <a:ln>
-                <a:noFill/>
-              </a:ln>
-            </p:spPr>
-            <p:style>
-              <a:lnRef idx="2">
-                <a:schemeClr val="accent1">
-                  <a:shade val="50000"/>
-                </a:schemeClr>
-              </a:lnRef>
-              <a:fillRef idx="1">
-                <a:schemeClr val="accent1"/>
-              </a:fillRef>
-              <a:effectRef idx="0">
-                <a:schemeClr val="accent1"/>
-              </a:effectRef>
-              <a:fontRef idx="minor">
-                <a:schemeClr val="lt1"/>
-              </a:fontRef>
-            </p:style>
-            <p:txBody>
-              <a:bodyPr rtlCol="0" anchor="ctr"/>
-              <a:lstStyle/>
-              <a:p>
-                <a:pPr algn="ctr"/>
-                <a:endParaRPr lang="ko-KR" altLang="en-US"/>
-              </a:p>
-            </p:txBody>
-          </p:sp>
-          <p:pic>
-            <p:nvPicPr>
-              <p:cNvPr id="6" name="Picture 4" descr="아이폰 6 테두리 사진에 대한 이미지 검색결과">
-                <a:extLst>
-                  <a:ext uri="{FF2B5EF4-FFF2-40B4-BE49-F238E27FC236}">
-                    <a16:creationId xmlns:a16="http://schemas.microsoft.com/office/drawing/2014/main" id="{ED67B14A-0EF4-438F-BC8D-C4ABE2F82DDF}"/>
-                  </a:ext>
-                </a:extLst>
-              </p:cNvPr>
-              <p:cNvPicPr>
-                <a:picLocks noChangeAspect="1" noChangeArrowheads="1"/>
-              </p:cNvPicPr>
-              <p:nvPr/>
-            </p:nvPicPr>
-            <p:blipFill rotWithShape="1">
-              <a:blip r:embed="rId2">
-                <a:extLst>
-                  <a:ext uri="{28A0092B-C50C-407E-A947-70E740481C1C}">
-                    <a14:useLocalDpi xmlns:a14="http://schemas.microsoft.com/office/drawing/2010/main" val="0"/>
-                  </a:ext>
-                </a:extLst>
-              </a:blip>
-              <a:srcRect r="64608"/>
-              <a:stretch/>
-            </p:blipFill>
-            <p:spPr bwMode="auto">
-              <a:xfrm>
-                <a:off x="423381" y="542924"/>
-                <a:ext cx="2295726" cy="4314826"/>
-              </a:xfrm>
-              <a:prstGeom prst="rect">
-                <a:avLst/>
-              </a:prstGeom>
-              <a:noFill/>
-              <a:ln>
-                <a:noFill/>
-              </a:ln>
-              <a:extLst>
-                <a:ext uri="{909E8E84-426E-40DD-AFC4-6F175D3DCCD1}">
-                  <a14:hiddenFill xmlns:a14="http://schemas.microsoft.com/office/drawing/2010/main">
-                    <a:solidFill>
-                      <a:srgbClr val="FFFFFF"/>
-                    </a:solidFill>
-                  </a14:hiddenFill>
-                </a:ext>
-              </a:extLst>
-            </p:spPr>
-          </p:pic>
-          <p:grpSp>
-            <p:nvGrpSpPr>
-              <p:cNvPr id="7" name="그룹 6">
-                <a:extLst>
-                  <a:ext uri="{FF2B5EF4-FFF2-40B4-BE49-F238E27FC236}">
-                    <a16:creationId xmlns:a16="http://schemas.microsoft.com/office/drawing/2014/main" id="{58F3FCD0-0F70-404F-B9EA-949641CE6F4B}"/>
+                    <a16:creationId xmlns:a16="http://schemas.microsoft.com/office/drawing/2014/main" id="{BDDB76A5-F376-4266-BFA0-D87DA2FA036F}"/>
                   </a:ext>
                 </a:extLst>
               </p:cNvPr>
@@ -3136,18 +3036,654 @@
             </p:nvGrpSpPr>
             <p:grpSpPr>
               <a:xfrm>
-                <a:off x="707103" y="1181167"/>
-                <a:ext cx="1720800" cy="88292"/>
-                <a:chOff x="707103" y="1181167"/>
-                <a:chExt cx="1720800" cy="88292"/>
+                <a:off x="0" y="2666"/>
+                <a:ext cx="6119018" cy="5398009"/>
+                <a:chOff x="0" y="2666"/>
+                <a:chExt cx="6119018" cy="5398009"/>
               </a:xfrm>
             </p:grpSpPr>
+            <p:sp>
+              <p:nvSpPr>
+                <p:cNvPr id="5" name="직사각형 4">
+                  <a:extLst>
+                    <a:ext uri="{FF2B5EF4-FFF2-40B4-BE49-F238E27FC236}">
+                      <a16:creationId xmlns:a16="http://schemas.microsoft.com/office/drawing/2014/main" id="{FA8ABCF2-90B7-4621-B712-80BDE60EC3A5}"/>
+                    </a:ext>
+                  </a:extLst>
+                </p:cNvPr>
+                <p:cNvSpPr/>
+                <p:nvPr/>
+              </p:nvSpPr>
+              <p:spPr>
+                <a:xfrm>
+                  <a:off x="0" y="2666"/>
+                  <a:ext cx="6119018" cy="5398009"/>
+                </a:xfrm>
+                <a:prstGeom prst="rect">
+                  <a:avLst/>
+                </a:prstGeom>
+                <a:solidFill>
+                  <a:schemeClr val="bg1"/>
+                </a:solidFill>
+                <a:ln>
+                  <a:noFill/>
+                </a:ln>
+              </p:spPr>
+              <p:style>
+                <a:lnRef idx="2">
+                  <a:schemeClr val="accent1">
+                    <a:shade val="50000"/>
+                  </a:schemeClr>
+                </a:lnRef>
+                <a:fillRef idx="1">
+                  <a:schemeClr val="accent1"/>
+                </a:fillRef>
+                <a:effectRef idx="0">
+                  <a:schemeClr val="accent1"/>
+                </a:effectRef>
+                <a:fontRef idx="minor">
+                  <a:schemeClr val="lt1"/>
+                </a:fontRef>
+              </p:style>
+              <p:txBody>
+                <a:bodyPr rtlCol="0" anchor="ctr"/>
+                <a:lstStyle/>
+                <a:p>
+                  <a:pPr algn="ctr"/>
+                  <a:endParaRPr lang="ko-KR" altLang="en-US"/>
+                </a:p>
+              </p:txBody>
+            </p:sp>
             <p:pic>
               <p:nvPicPr>
-                <p:cNvPr id="13" name="그림 12">
+                <p:cNvPr id="6" name="Picture 4" descr="아이폰 6 테두리 사진에 대한 이미지 검색결과">
                   <a:extLst>
                     <a:ext uri="{FF2B5EF4-FFF2-40B4-BE49-F238E27FC236}">
-                      <a16:creationId xmlns:a16="http://schemas.microsoft.com/office/drawing/2014/main" id="{6785A3DF-3400-4BF8-9D97-F87FC3A85C43}"/>
+                      <a16:creationId xmlns:a16="http://schemas.microsoft.com/office/drawing/2014/main" id="{ED67B14A-0EF4-438F-BC8D-C4ABE2F82DDF}"/>
+                    </a:ext>
+                  </a:extLst>
+                </p:cNvPr>
+                <p:cNvPicPr>
+                  <a:picLocks noChangeAspect="1" noChangeArrowheads="1"/>
+                </p:cNvPicPr>
+                <p:nvPr/>
+              </p:nvPicPr>
+              <p:blipFill rotWithShape="1">
+                <a:blip r:embed="rId2">
+                  <a:extLst>
+                    <a:ext uri="{28A0092B-C50C-407E-A947-70E740481C1C}">
+                      <a14:useLocalDpi xmlns:a14="http://schemas.microsoft.com/office/drawing/2010/main" val="0"/>
+                    </a:ext>
+                  </a:extLst>
+                </a:blip>
+                <a:srcRect r="64608"/>
+                <a:stretch/>
+              </p:blipFill>
+              <p:spPr bwMode="auto">
+                <a:xfrm>
+                  <a:off x="423381" y="542924"/>
+                  <a:ext cx="2295726" cy="4314826"/>
+                </a:xfrm>
+                <a:prstGeom prst="rect">
+                  <a:avLst/>
+                </a:prstGeom>
+                <a:noFill/>
+                <a:ln>
+                  <a:noFill/>
+                </a:ln>
+                <a:extLst>
+                  <a:ext uri="{909E8E84-426E-40DD-AFC4-6F175D3DCCD1}">
+                    <a14:hiddenFill xmlns:a14="http://schemas.microsoft.com/office/drawing/2010/main">
+                      <a:solidFill>
+                        <a:srgbClr val="FFFFFF"/>
+                      </a:solidFill>
+                    </a14:hiddenFill>
+                  </a:ext>
+                </a:extLst>
+              </p:spPr>
+            </p:pic>
+            <p:grpSp>
+              <p:nvGrpSpPr>
+                <p:cNvPr id="7" name="그룹 6">
+                  <a:extLst>
+                    <a:ext uri="{FF2B5EF4-FFF2-40B4-BE49-F238E27FC236}">
+                      <a16:creationId xmlns:a16="http://schemas.microsoft.com/office/drawing/2014/main" id="{58F3FCD0-0F70-404F-B9EA-949641CE6F4B}"/>
+                    </a:ext>
+                  </a:extLst>
+                </p:cNvPr>
+                <p:cNvGrpSpPr/>
+                <p:nvPr/>
+              </p:nvGrpSpPr>
+              <p:grpSpPr>
+                <a:xfrm>
+                  <a:off x="707103" y="1181167"/>
+                  <a:ext cx="1720800" cy="88292"/>
+                  <a:chOff x="707103" y="1181167"/>
+                  <a:chExt cx="1720800" cy="88292"/>
+                </a:xfrm>
+              </p:grpSpPr>
+              <p:pic>
+                <p:nvPicPr>
+                  <p:cNvPr id="13" name="그림 12">
+                    <a:extLst>
+                      <a:ext uri="{FF2B5EF4-FFF2-40B4-BE49-F238E27FC236}">
+                        <a16:creationId xmlns:a16="http://schemas.microsoft.com/office/drawing/2014/main" id="{6785A3DF-3400-4BF8-9D97-F87FC3A85C43}"/>
+                      </a:ext>
+                    </a:extLst>
+                  </p:cNvPr>
+                  <p:cNvPicPr>
+                    <a:picLocks noChangeAspect="1"/>
+                  </p:cNvPicPr>
+                  <p:nvPr/>
+                </p:nvPicPr>
+                <p:blipFill rotWithShape="1">
+                  <a:blip r:embed="rId3">
+                    <a:duotone>
+                      <a:schemeClr val="bg2">
+                        <a:shade val="45000"/>
+                        <a:satMod val="135000"/>
+                      </a:schemeClr>
+                      <a:prstClr val="white"/>
+                    </a:duotone>
+                  </a:blip>
+                  <a:srcRect b="97512"/>
+                  <a:stretch/>
+                </p:blipFill>
+                <p:spPr>
+                  <a:xfrm>
+                    <a:off x="707103" y="1181167"/>
+                    <a:ext cx="1720800" cy="88292"/>
+                  </a:xfrm>
+                  <a:prstGeom prst="rect">
+                    <a:avLst/>
+                  </a:prstGeom>
+                  <a:ln>
+                    <a:noFill/>
+                  </a:ln>
+                </p:spPr>
+              </p:pic>
+              <p:pic>
+                <p:nvPicPr>
+                  <p:cNvPr id="14" name="그림 13">
+                    <a:extLst>
+                      <a:ext uri="{FF2B5EF4-FFF2-40B4-BE49-F238E27FC236}">
+                        <a16:creationId xmlns:a16="http://schemas.microsoft.com/office/drawing/2014/main" id="{DF3F705C-9A6C-42FF-9D45-EFCAE835236E}"/>
+                      </a:ext>
+                    </a:extLst>
+                  </p:cNvPr>
+                  <p:cNvPicPr>
+                    <a:picLocks noChangeAspect="1"/>
+                  </p:cNvPicPr>
+                  <p:nvPr/>
+                </p:nvPicPr>
+                <p:blipFill rotWithShape="1">
+                  <a:blip r:embed="rId4">
+                    <a:duotone>
+                      <a:schemeClr val="bg2">
+                        <a:shade val="45000"/>
+                        <a:satMod val="135000"/>
+                      </a:schemeClr>
+                      <a:prstClr val="white"/>
+                    </a:duotone>
+                    <a:extLst>
+                      <a:ext uri="{BEBA8EAE-BF5A-486C-A8C5-ECC9F3942E4B}">
+                        <a14:imgProps xmlns:a14="http://schemas.microsoft.com/office/drawing/2010/main">
+                          <a14:imgLayer r:embed="rId5">
+                            <a14:imgEffect>
+                              <a14:brightnessContrast bright="29000"/>
+                            </a14:imgEffect>
+                          </a14:imgLayer>
+                        </a14:imgProps>
+                      </a:ext>
+                    </a:extLst>
+                  </a:blip>
+                  <a:srcRect l="27545" r="55019" b="97512"/>
+                  <a:stretch/>
+                </p:blipFill>
+                <p:spPr>
+                  <a:xfrm>
+                    <a:off x="823911" y="1181167"/>
+                    <a:ext cx="300039" cy="88292"/>
+                  </a:xfrm>
+                  <a:prstGeom prst="rect">
+                    <a:avLst/>
+                  </a:prstGeom>
+                  <a:ln>
+                    <a:noFill/>
+                  </a:ln>
+                </p:spPr>
+              </p:pic>
+            </p:grpSp>
+            <p:sp>
+              <p:nvSpPr>
+                <p:cNvPr id="8" name="직사각형 7">
+                  <a:extLst>
+                    <a:ext uri="{FF2B5EF4-FFF2-40B4-BE49-F238E27FC236}">
+                      <a16:creationId xmlns:a16="http://schemas.microsoft.com/office/drawing/2014/main" id="{F54FE429-D089-491A-99D6-239CFB6333D3}"/>
+                    </a:ext>
+                  </a:extLst>
+                </p:cNvPr>
+                <p:cNvSpPr/>
+                <p:nvPr/>
+              </p:nvSpPr>
+              <p:spPr>
+                <a:xfrm>
+                  <a:off x="713453" y="1269458"/>
+                  <a:ext cx="1707683" cy="2970539"/>
+                </a:xfrm>
+                <a:prstGeom prst="rect">
+                  <a:avLst/>
+                </a:prstGeom>
+                <a:solidFill>
+                  <a:schemeClr val="bg1"/>
+                </a:solidFill>
+                <a:ln>
+                  <a:noFill/>
+                </a:ln>
+              </p:spPr>
+              <p:style>
+                <a:lnRef idx="2">
+                  <a:schemeClr val="accent1">
+                    <a:shade val="50000"/>
+                  </a:schemeClr>
+                </a:lnRef>
+                <a:fillRef idx="1">
+                  <a:schemeClr val="accent1"/>
+                </a:fillRef>
+                <a:effectRef idx="0">
+                  <a:schemeClr val="accent1"/>
+                </a:effectRef>
+                <a:fontRef idx="minor">
+                  <a:schemeClr val="lt1"/>
+                </a:fontRef>
+              </p:style>
+              <p:txBody>
+                <a:bodyPr rtlCol="0" anchor="ctr"/>
+                <a:lstStyle/>
+                <a:p>
+                  <a:pPr algn="ctr"/>
+                  <a:endParaRPr lang="ko-KR" altLang="en-US" dirty="0"/>
+                </a:p>
+              </p:txBody>
+            </p:sp>
+            <p:sp>
+              <p:nvSpPr>
+                <p:cNvPr id="9" name="직사각형 8">
+                  <a:extLst>
+                    <a:ext uri="{FF2B5EF4-FFF2-40B4-BE49-F238E27FC236}">
+                      <a16:creationId xmlns:a16="http://schemas.microsoft.com/office/drawing/2014/main" id="{38DDB77D-7B3F-4869-9854-FDF026A9646D}"/>
+                    </a:ext>
+                  </a:extLst>
+                </p:cNvPr>
+                <p:cNvSpPr/>
+                <p:nvPr/>
+              </p:nvSpPr>
+              <p:spPr>
+                <a:xfrm>
+                  <a:off x="975950" y="2163383"/>
+                  <a:ext cx="1182689" cy="1182689"/>
+                </a:xfrm>
+                <a:prstGeom prst="rect">
+                  <a:avLst/>
+                </a:prstGeom>
+                <a:solidFill>
+                  <a:schemeClr val="accent5">
+                    <a:lumMod val="60000"/>
+                    <a:lumOff val="40000"/>
+                  </a:schemeClr>
+                </a:solidFill>
+                <a:ln>
+                  <a:noFill/>
+                </a:ln>
+              </p:spPr>
+              <p:style>
+                <a:lnRef idx="2">
+                  <a:schemeClr val="accent1">
+                    <a:shade val="50000"/>
+                  </a:schemeClr>
+                </a:lnRef>
+                <a:fillRef idx="1">
+                  <a:schemeClr val="accent1"/>
+                </a:fillRef>
+                <a:effectRef idx="0">
+                  <a:schemeClr val="accent1"/>
+                </a:effectRef>
+                <a:fontRef idx="minor">
+                  <a:schemeClr val="lt1"/>
+                </a:fontRef>
+              </p:style>
+              <p:txBody>
+                <a:bodyPr rtlCol="0" anchor="ctr"/>
+                <a:lstStyle/>
+                <a:p>
+                  <a:pPr algn="ctr"/>
+                  <a:endParaRPr lang="ko-KR" altLang="en-US" sz="2000"/>
+                </a:p>
+              </p:txBody>
+            </p:sp>
+            <p:sp>
+              <p:nvSpPr>
+                <p:cNvPr id="10" name="TextBox 9">
+                  <a:extLst>
+                    <a:ext uri="{FF2B5EF4-FFF2-40B4-BE49-F238E27FC236}">
+                      <a16:creationId xmlns:a16="http://schemas.microsoft.com/office/drawing/2014/main" id="{EC049D0E-420F-4AF3-AFA6-80D1D11A5FB4}"/>
+                    </a:ext>
+                  </a:extLst>
+                </p:cNvPr>
+                <p:cNvSpPr txBox="1"/>
+                <p:nvPr/>
+              </p:nvSpPr>
+              <p:spPr>
+                <a:xfrm>
+                  <a:off x="976276" y="2431562"/>
+                  <a:ext cx="1182037" cy="646331"/>
+                </a:xfrm>
+                <a:prstGeom prst="rect">
+                  <a:avLst/>
+                </a:prstGeom>
+                <a:noFill/>
+                <a:ln>
+                  <a:noFill/>
+                </a:ln>
+              </p:spPr>
+              <p:txBody>
+                <a:bodyPr wrap="square" rtlCol="0">
+                  <a:spAutoFit/>
+                </a:bodyPr>
+                <a:lstStyle/>
+                <a:p>
+                  <a:pPr algn="ctr"/>
+                  <a:r>
+                    <a:rPr lang="en-US" altLang="ko-KR" dirty="0">
+                      <a:solidFill>
+                        <a:schemeClr val="bg1"/>
+                      </a:solidFill>
+                      <a:latin typeface="배달의민족 주아" panose="02020603020101020101" pitchFamily="18" charset="-127"/>
+                      <a:ea typeface="배달의민족 주아" panose="02020603020101020101" pitchFamily="18" charset="-127"/>
+                    </a:rPr>
+                    <a:t>Smarty word</a:t>
+                  </a:r>
+                  <a:endParaRPr lang="ko-KR" altLang="en-US" dirty="0">
+                    <a:solidFill>
+                      <a:schemeClr val="bg1"/>
+                    </a:solidFill>
+                    <a:latin typeface="배달의민족 주아" panose="02020603020101020101" pitchFamily="18" charset="-127"/>
+                    <a:ea typeface="배달의민족 주아" panose="02020603020101020101" pitchFamily="18" charset="-127"/>
+                  </a:endParaRPr>
+                </a:p>
+              </p:txBody>
+            </p:sp>
+            <p:sp>
+              <p:nvSpPr>
+                <p:cNvPr id="11" name="직사각형 10">
+                  <a:extLst>
+                    <a:ext uri="{FF2B5EF4-FFF2-40B4-BE49-F238E27FC236}">
+                      <a16:creationId xmlns:a16="http://schemas.microsoft.com/office/drawing/2014/main" id="{4942A4B7-E81B-467A-B3D6-9F5E06D9ADBD}"/>
+                    </a:ext>
+                  </a:extLst>
+                </p:cNvPr>
+                <p:cNvSpPr/>
+                <p:nvPr/>
+              </p:nvSpPr>
+              <p:spPr>
+                <a:xfrm>
+                  <a:off x="3059906" y="2546448"/>
+                  <a:ext cx="3059112" cy="307777"/>
+                </a:xfrm>
+                <a:prstGeom prst="rect">
+                  <a:avLst/>
+                </a:prstGeom>
+                <a:ln>
+                  <a:noFill/>
+                </a:ln>
+                <a:effectLst>
+                  <a:glow>
+                    <a:srgbClr val="77BF6D"/>
+                  </a:glow>
+                  <a:reflection blurRad="12700" stA="96000" endPos="0" dir="5400000" sy="-100000" algn="bl" rotWithShape="0"/>
+                </a:effectLst>
+              </p:spPr>
+              <p:txBody>
+                <a:bodyPr wrap="square">
+                  <a:spAutoFit/>
+                </a:bodyPr>
+                <a:lstStyle/>
+                <a:p>
+                  <a:pPr algn="ctr"/>
+                  <a:r>
+                    <a:rPr lang="ko-KR" altLang="en-US" sz="1400" dirty="0">
+                      <a:solidFill>
+                        <a:schemeClr val="tx1">
+                          <a:lumMod val="85000"/>
+                          <a:lumOff val="15000"/>
+                        </a:schemeClr>
+                      </a:solidFill>
+                      <a:latin typeface="1훈새마을운동 R" panose="02020603020101020101" pitchFamily="18" charset="-127"/>
+                      <a:ea typeface="1훈새마을운동 R" panose="02020603020101020101" pitchFamily="18" charset="-127"/>
+                    </a:rPr>
+                    <a:t>＂이 시대에 공부도 효율적으로 </a:t>
+                  </a:r>
+                  <a:r>
+                    <a:rPr lang="ko-KR" altLang="en-US" sz="1400" dirty="0" err="1">
+                      <a:solidFill>
+                        <a:schemeClr val="tx1">
+                          <a:lumMod val="85000"/>
+                          <a:lumOff val="15000"/>
+                        </a:schemeClr>
+                      </a:solidFill>
+                      <a:latin typeface="1훈새마을운동 R" panose="02020603020101020101" pitchFamily="18" charset="-127"/>
+                      <a:ea typeface="1훈새마을운동 R" panose="02020603020101020101" pitchFamily="18" charset="-127"/>
+                    </a:rPr>
+                    <a:t>해야지</a:t>
+                  </a:r>
+                  <a:r>
+                    <a:rPr lang="en-US" altLang="ko-KR" sz="1400" dirty="0">
+                      <a:solidFill>
+                        <a:schemeClr val="tx1">
+                          <a:lumMod val="85000"/>
+                          <a:lumOff val="15000"/>
+                        </a:schemeClr>
+                      </a:solidFill>
+                      <a:latin typeface="1훈새마을운동 R" panose="02020603020101020101" pitchFamily="18" charset="-127"/>
+                      <a:ea typeface="1훈새마을운동 R" panose="02020603020101020101" pitchFamily="18" charset="-127"/>
+                    </a:rPr>
+                    <a:t>?”</a:t>
+                  </a:r>
+                  <a:endParaRPr lang="ko-KR" altLang="en-US" sz="1400" dirty="0">
+                    <a:solidFill>
+                      <a:schemeClr val="tx1">
+                        <a:lumMod val="85000"/>
+                        <a:lumOff val="15000"/>
+                      </a:schemeClr>
+                    </a:solidFill>
+                    <a:latin typeface="1훈새마을운동 R" panose="02020603020101020101" pitchFamily="18" charset="-127"/>
+                    <a:ea typeface="1훈새마을운동 R" panose="02020603020101020101" pitchFamily="18" charset="-127"/>
+                  </a:endParaRPr>
+                </a:p>
+              </p:txBody>
+            </p:sp>
+            <p:sp>
+              <p:nvSpPr>
+                <p:cNvPr id="12" name="TextBox 11">
+                  <a:extLst>
+                    <a:ext uri="{FF2B5EF4-FFF2-40B4-BE49-F238E27FC236}">
+                      <a16:creationId xmlns:a16="http://schemas.microsoft.com/office/drawing/2014/main" id="{4528ECF1-99C0-4F86-B1BF-DF6D279FF4B2}"/>
+                    </a:ext>
+                  </a:extLst>
+                </p:cNvPr>
+                <p:cNvSpPr txBox="1"/>
+                <p:nvPr/>
+              </p:nvSpPr>
+              <p:spPr>
+                <a:xfrm>
+                  <a:off x="1243327" y="4039942"/>
+                  <a:ext cx="647934" cy="200055"/>
+                </a:xfrm>
+                <a:prstGeom prst="rect">
+                  <a:avLst/>
+                </a:prstGeom>
+                <a:noFill/>
+                <a:ln>
+                  <a:noFill/>
+                </a:ln>
+              </p:spPr>
+              <p:txBody>
+                <a:bodyPr wrap="none" rtlCol="0">
+                  <a:spAutoFit/>
+                </a:bodyPr>
+                <a:lstStyle/>
+                <a:p>
+                  <a:r>
+                    <a:rPr lang="en-US" altLang="ko-KR" sz="700" dirty="0">
+                      <a:latin typeface="+mj-lt"/>
+                    </a:rPr>
+                    <a:t>Ver</a:t>
+                  </a:r>
+                  <a:r>
+                    <a:rPr lang="ko-KR" altLang="en-US" sz="700" dirty="0">
+                      <a:latin typeface="+mj-lt"/>
+                    </a:rPr>
+                    <a:t> </a:t>
+                  </a:r>
+                  <a:r>
+                    <a:rPr lang="en-US" altLang="ko-KR" sz="700" dirty="0">
+                      <a:latin typeface="+mj-lt"/>
+                    </a:rPr>
+                    <a:t>19.10.29</a:t>
+                  </a:r>
+                  <a:endParaRPr lang="ko-KR" altLang="en-US" sz="700" dirty="0">
+                    <a:latin typeface="+mj-lt"/>
+                  </a:endParaRPr>
+                </a:p>
+              </p:txBody>
+            </p:sp>
+          </p:grpSp>
+          <p:grpSp>
+            <p:nvGrpSpPr>
+              <p:cNvPr id="15" name="그룹 14">
+                <a:extLst>
+                  <a:ext uri="{FF2B5EF4-FFF2-40B4-BE49-F238E27FC236}">
+                    <a16:creationId xmlns:a16="http://schemas.microsoft.com/office/drawing/2014/main" id="{7A110821-A900-4BC7-9192-AA7FCC5ADCF0}"/>
+                  </a:ext>
+                </a:extLst>
+              </p:cNvPr>
+              <p:cNvGrpSpPr/>
+              <p:nvPr/>
+            </p:nvGrpSpPr>
+            <p:grpSpPr>
+              <a:xfrm>
+                <a:off x="-1589" y="5059071"/>
+                <a:ext cx="6119813" cy="5398009"/>
+                <a:chOff x="0" y="2666"/>
+                <a:chExt cx="6119813" cy="5398009"/>
+              </a:xfrm>
+            </p:grpSpPr>
+            <p:sp>
+              <p:nvSpPr>
+                <p:cNvPr id="16" name="직사각형 15">
+                  <a:extLst>
+                    <a:ext uri="{FF2B5EF4-FFF2-40B4-BE49-F238E27FC236}">
+                      <a16:creationId xmlns:a16="http://schemas.microsoft.com/office/drawing/2014/main" id="{D5007E64-37D8-4FEC-A949-8D316783E4BA}"/>
+                    </a:ext>
+                  </a:extLst>
+                </p:cNvPr>
+                <p:cNvSpPr/>
+                <p:nvPr/>
+              </p:nvSpPr>
+              <p:spPr>
+                <a:xfrm>
+                  <a:off x="0" y="2666"/>
+                  <a:ext cx="6119018" cy="5398009"/>
+                </a:xfrm>
+                <a:prstGeom prst="rect">
+                  <a:avLst/>
+                </a:prstGeom>
+                <a:solidFill>
+                  <a:schemeClr val="bg1"/>
+                </a:solidFill>
+                <a:ln>
+                  <a:noFill/>
+                </a:ln>
+              </p:spPr>
+              <p:style>
+                <a:lnRef idx="2">
+                  <a:schemeClr val="accent1">
+                    <a:shade val="50000"/>
+                  </a:schemeClr>
+                </a:lnRef>
+                <a:fillRef idx="1">
+                  <a:schemeClr val="accent1"/>
+                </a:fillRef>
+                <a:effectRef idx="0">
+                  <a:schemeClr val="accent1"/>
+                </a:effectRef>
+                <a:fontRef idx="minor">
+                  <a:schemeClr val="lt1"/>
+                </a:fontRef>
+              </p:style>
+              <p:txBody>
+                <a:bodyPr rtlCol="0" anchor="ctr"/>
+                <a:lstStyle/>
+                <a:p>
+                  <a:pPr algn="ctr"/>
+                  <a:endParaRPr lang="ko-KR" altLang="en-US"/>
+                </a:p>
+              </p:txBody>
+            </p:sp>
+            <p:pic>
+              <p:nvPicPr>
+                <p:cNvPr id="17" name="Picture 4" descr="아이폰 6 테두리 사진에 대한 이미지 검색결과">
+                  <a:extLst>
+                    <a:ext uri="{FF2B5EF4-FFF2-40B4-BE49-F238E27FC236}">
+                      <a16:creationId xmlns:a16="http://schemas.microsoft.com/office/drawing/2014/main" id="{7BDF4DEC-7E0A-4A63-82F4-1F8DDDF7BC74}"/>
+                    </a:ext>
+                  </a:extLst>
+                </p:cNvPr>
+                <p:cNvPicPr>
+                  <a:picLocks noChangeAspect="1" noChangeArrowheads="1"/>
+                </p:cNvPicPr>
+                <p:nvPr/>
+              </p:nvPicPr>
+              <p:blipFill rotWithShape="1">
+                <a:blip r:embed="rId2">
+                  <a:extLst>
+                    <a:ext uri="{28A0092B-C50C-407E-A947-70E740481C1C}">
+                      <a14:useLocalDpi xmlns:a14="http://schemas.microsoft.com/office/drawing/2010/main" val="0"/>
+                    </a:ext>
+                  </a:extLst>
+                </a:blip>
+                <a:srcRect r="64608"/>
+                <a:stretch/>
+              </p:blipFill>
+              <p:spPr bwMode="auto">
+                <a:xfrm>
+                  <a:off x="423381" y="542924"/>
+                  <a:ext cx="2295726" cy="4314826"/>
+                </a:xfrm>
+                <a:prstGeom prst="rect">
+                  <a:avLst/>
+                </a:prstGeom>
+                <a:noFill/>
+                <a:ln>
+                  <a:noFill/>
+                </a:ln>
+                <a:extLst>
+                  <a:ext uri="{909E8E84-426E-40DD-AFC4-6F175D3DCCD1}">
+                    <a14:hiddenFill xmlns:a14="http://schemas.microsoft.com/office/drawing/2010/main">
+                      <a:solidFill>
+                        <a:srgbClr val="FFFFFF"/>
+                      </a:solidFill>
+                    </a14:hiddenFill>
+                  </a:ext>
+                </a:extLst>
+              </p:spPr>
+            </p:pic>
+            <p:pic>
+              <p:nvPicPr>
+                <p:cNvPr id="18" name="그림 17">
+                  <a:extLst>
+                    <a:ext uri="{FF2B5EF4-FFF2-40B4-BE49-F238E27FC236}">
+                      <a16:creationId xmlns:a16="http://schemas.microsoft.com/office/drawing/2014/main" id="{AED77174-7132-4496-AC9A-C775146E581D}"/>
                     </a:ext>
                   </a:extLst>
                 </p:cNvPr>
@@ -3157,22 +3693,1079 @@
                 <p:nvPr/>
               </p:nvPicPr>
               <p:blipFill rotWithShape="1">
-                <a:blip r:embed="rId3">
-                  <a:duotone>
-                    <a:schemeClr val="bg2">
-                      <a:shade val="45000"/>
-                      <a:satMod val="135000"/>
-                    </a:schemeClr>
-                    <a:prstClr val="white"/>
-                  </a:duotone>
-                </a:blip>
-                <a:srcRect b="97512"/>
+                <a:blip r:embed="rId6"/>
+                <a:srcRect l="33931" r="33803"/>
                 <a:stretch/>
               </p:blipFill>
               <p:spPr>
                 <a:xfrm>
+                  <a:off x="713451" y="1275625"/>
+                  <a:ext cx="1709430" cy="2970530"/>
+                </a:xfrm>
+                <a:prstGeom prst="rect">
+                  <a:avLst/>
+                </a:prstGeom>
+                <a:ln>
+                  <a:noFill/>
+                </a:ln>
+              </p:spPr>
+            </p:pic>
+            <p:sp>
+              <p:nvSpPr>
+                <p:cNvPr id="19" name="직사각형 18">
+                  <a:extLst>
+                    <a:ext uri="{FF2B5EF4-FFF2-40B4-BE49-F238E27FC236}">
+                      <a16:creationId xmlns:a16="http://schemas.microsoft.com/office/drawing/2014/main" id="{4ACA19F9-1350-4B0D-8283-04C6DF8F8AB2}"/>
+                    </a:ext>
+                  </a:extLst>
+                </p:cNvPr>
+                <p:cNvSpPr/>
+                <p:nvPr/>
+              </p:nvSpPr>
+              <p:spPr>
+                <a:xfrm>
+                  <a:off x="3060701" y="2438728"/>
+                  <a:ext cx="3059112" cy="523220"/>
+                </a:xfrm>
+                <a:prstGeom prst="rect">
+                  <a:avLst/>
+                </a:prstGeom>
+                <a:ln>
+                  <a:noFill/>
+                </a:ln>
+                <a:effectLst>
+                  <a:glow>
+                    <a:srgbClr val="77BF6D"/>
+                  </a:glow>
+                  <a:reflection blurRad="12700" stA="96000" endPos="0" dir="5400000" sy="-100000" algn="bl" rotWithShape="0"/>
+                </a:effectLst>
+              </p:spPr>
+              <p:txBody>
+                <a:bodyPr wrap="square">
+                  <a:spAutoFit/>
+                </a:bodyPr>
+                <a:lstStyle/>
+                <a:p>
+                  <a:pPr algn="ctr"/>
+                  <a:r>
+                    <a:rPr lang="ko-KR" altLang="en-US" sz="1400" dirty="0">
+                      <a:solidFill>
+                        <a:schemeClr val="tx1">
+                          <a:lumMod val="85000"/>
+                          <a:lumOff val="15000"/>
+                        </a:schemeClr>
+                      </a:solidFill>
+                      <a:latin typeface="1훈새마을운동 R" panose="02020603020101020101" pitchFamily="18" charset="-127"/>
+                      <a:ea typeface="1훈새마을운동 R" panose="02020603020101020101" pitchFamily="18" charset="-127"/>
+                    </a:rPr>
+                    <a:t>일일이 영어단어를 정리하면서 검색하지 마세요</a:t>
+                  </a:r>
+                  <a:r>
+                    <a:rPr lang="en-US" altLang="ko-KR" sz="1400" dirty="0">
+                      <a:solidFill>
+                        <a:schemeClr val="tx1">
+                          <a:lumMod val="85000"/>
+                          <a:lumOff val="15000"/>
+                        </a:schemeClr>
+                      </a:solidFill>
+                      <a:latin typeface="1훈새마을운동 R" panose="02020603020101020101" pitchFamily="18" charset="-127"/>
+                      <a:ea typeface="1훈새마을운동 R" panose="02020603020101020101" pitchFamily="18" charset="-127"/>
+                    </a:rPr>
+                    <a:t>! </a:t>
+                  </a:r>
+                  <a:r>
+                    <a:rPr lang="ko-KR" altLang="en-US" sz="1400" dirty="0">
+                      <a:solidFill>
+                        <a:schemeClr val="tx1">
+                          <a:lumMod val="85000"/>
+                          <a:lumOff val="15000"/>
+                        </a:schemeClr>
+                      </a:solidFill>
+                      <a:latin typeface="1훈새마을운동 R" panose="02020603020101020101" pitchFamily="18" charset="-127"/>
+                      <a:ea typeface="1훈새마을운동 R" panose="02020603020101020101" pitchFamily="18" charset="-127"/>
+                    </a:rPr>
+                    <a:t>시간낭비 입니다</a:t>
+                  </a:r>
+                  <a:r>
+                    <a:rPr lang="en-US" altLang="ko-KR" sz="1400" dirty="0">
+                      <a:solidFill>
+                        <a:schemeClr val="tx1">
+                          <a:lumMod val="85000"/>
+                          <a:lumOff val="15000"/>
+                        </a:schemeClr>
+                      </a:solidFill>
+                      <a:latin typeface="1훈새마을운동 R" panose="02020603020101020101" pitchFamily="18" charset="-127"/>
+                      <a:ea typeface="1훈새마을운동 R" panose="02020603020101020101" pitchFamily="18" charset="-127"/>
+                    </a:rPr>
+                    <a:t>!</a:t>
+                  </a:r>
+                  <a:endParaRPr lang="ko-KR" altLang="en-US" sz="1400" dirty="0">
+                    <a:solidFill>
+                      <a:schemeClr val="tx1">
+                        <a:lumMod val="85000"/>
+                        <a:lumOff val="15000"/>
+                      </a:schemeClr>
+                    </a:solidFill>
+                    <a:latin typeface="1훈새마을운동 R" panose="02020603020101020101" pitchFamily="18" charset="-127"/>
+                    <a:ea typeface="1훈새마을운동 R" panose="02020603020101020101" pitchFamily="18" charset="-127"/>
+                  </a:endParaRPr>
+                </a:p>
+              </p:txBody>
+            </p:sp>
+            <p:grpSp>
+              <p:nvGrpSpPr>
+                <p:cNvPr id="20" name="그룹 19">
+                  <a:extLst>
+                    <a:ext uri="{FF2B5EF4-FFF2-40B4-BE49-F238E27FC236}">
+                      <a16:creationId xmlns:a16="http://schemas.microsoft.com/office/drawing/2014/main" id="{4DDEE75F-E3D3-47E2-918F-4AB893AC8505}"/>
+                    </a:ext>
+                  </a:extLst>
+                </p:cNvPr>
+                <p:cNvGrpSpPr/>
+                <p:nvPr/>
+              </p:nvGrpSpPr>
+              <p:grpSpPr>
+                <a:xfrm>
                   <a:off x="707103" y="1181167"/>
                   <a:ext cx="1720800" cy="88292"/>
+                  <a:chOff x="707103" y="1181167"/>
+                  <a:chExt cx="1720800" cy="88292"/>
+                </a:xfrm>
+              </p:grpSpPr>
+              <p:pic>
+                <p:nvPicPr>
+                  <p:cNvPr id="21" name="그림 20">
+                    <a:extLst>
+                      <a:ext uri="{FF2B5EF4-FFF2-40B4-BE49-F238E27FC236}">
+                        <a16:creationId xmlns:a16="http://schemas.microsoft.com/office/drawing/2014/main" id="{6159EF2C-A47A-4C52-A58C-ED15DA5E245F}"/>
+                      </a:ext>
+                    </a:extLst>
+                  </p:cNvPr>
+                  <p:cNvPicPr>
+                    <a:picLocks noChangeAspect="1"/>
+                  </p:cNvPicPr>
+                  <p:nvPr/>
+                </p:nvPicPr>
+                <p:blipFill rotWithShape="1">
+                  <a:blip r:embed="rId3">
+                    <a:duotone>
+                      <a:schemeClr val="bg2">
+                        <a:shade val="45000"/>
+                        <a:satMod val="135000"/>
+                      </a:schemeClr>
+                      <a:prstClr val="white"/>
+                    </a:duotone>
+                  </a:blip>
+                  <a:srcRect b="97512"/>
+                  <a:stretch/>
+                </p:blipFill>
+                <p:spPr>
+                  <a:xfrm>
+                    <a:off x="707103" y="1181167"/>
+                    <a:ext cx="1720800" cy="88292"/>
+                  </a:xfrm>
+                  <a:prstGeom prst="rect">
+                    <a:avLst/>
+                  </a:prstGeom>
+                  <a:ln>
+                    <a:noFill/>
+                  </a:ln>
+                </p:spPr>
+              </p:pic>
+              <p:pic>
+                <p:nvPicPr>
+                  <p:cNvPr id="22" name="그림 21">
+                    <a:extLst>
+                      <a:ext uri="{FF2B5EF4-FFF2-40B4-BE49-F238E27FC236}">
+                        <a16:creationId xmlns:a16="http://schemas.microsoft.com/office/drawing/2014/main" id="{56ECC941-5BB6-4E27-84C4-A301FE37C879}"/>
+                      </a:ext>
+                    </a:extLst>
+                  </p:cNvPr>
+                  <p:cNvPicPr>
+                    <a:picLocks noChangeAspect="1"/>
+                  </p:cNvPicPr>
+                  <p:nvPr/>
+                </p:nvPicPr>
+                <p:blipFill rotWithShape="1">
+                  <a:blip r:embed="rId4">
+                    <a:duotone>
+                      <a:schemeClr val="bg2">
+                        <a:shade val="45000"/>
+                        <a:satMod val="135000"/>
+                      </a:schemeClr>
+                      <a:prstClr val="white"/>
+                    </a:duotone>
+                    <a:extLst>
+                      <a:ext uri="{BEBA8EAE-BF5A-486C-A8C5-ECC9F3942E4B}">
+                        <a14:imgProps xmlns:a14="http://schemas.microsoft.com/office/drawing/2010/main">
+                          <a14:imgLayer r:embed="rId5">
+                            <a14:imgEffect>
+                              <a14:brightnessContrast bright="29000"/>
+                            </a14:imgEffect>
+                          </a14:imgLayer>
+                        </a14:imgProps>
+                      </a:ext>
+                    </a:extLst>
+                  </a:blip>
+                  <a:srcRect l="27545" r="55019" b="97512"/>
+                  <a:stretch/>
+                </p:blipFill>
+                <p:spPr>
+                  <a:xfrm>
+                    <a:off x="823911" y="1181167"/>
+                    <a:ext cx="300039" cy="88292"/>
+                  </a:xfrm>
+                  <a:prstGeom prst="rect">
+                    <a:avLst/>
+                  </a:prstGeom>
+                  <a:ln>
+                    <a:noFill/>
+                  </a:ln>
+                </p:spPr>
+              </p:pic>
+            </p:grpSp>
+          </p:grpSp>
+          <p:grpSp>
+            <p:nvGrpSpPr>
+              <p:cNvPr id="23" name="그룹 22">
+                <a:extLst>
+                  <a:ext uri="{FF2B5EF4-FFF2-40B4-BE49-F238E27FC236}">
+                    <a16:creationId xmlns:a16="http://schemas.microsoft.com/office/drawing/2014/main" id="{FFAD2875-C1D8-4F91-9963-73685CE45D9B}"/>
+                  </a:ext>
+                </a:extLst>
+              </p:cNvPr>
+              <p:cNvGrpSpPr/>
+              <p:nvPr/>
+            </p:nvGrpSpPr>
+            <p:grpSpPr>
+              <a:xfrm>
+                <a:off x="-1589" y="10106687"/>
+                <a:ext cx="6119812" cy="5398009"/>
+                <a:chOff x="0" y="2666"/>
+                <a:chExt cx="6119812" cy="5398009"/>
+              </a:xfrm>
+            </p:grpSpPr>
+            <p:sp>
+              <p:nvSpPr>
+                <p:cNvPr id="24" name="직사각형 23">
+                  <a:extLst>
+                    <a:ext uri="{FF2B5EF4-FFF2-40B4-BE49-F238E27FC236}">
+                      <a16:creationId xmlns:a16="http://schemas.microsoft.com/office/drawing/2014/main" id="{E5C7CF80-81C8-48E7-A217-90F83C4D4FD7}"/>
+                    </a:ext>
+                  </a:extLst>
+                </p:cNvPr>
+                <p:cNvSpPr/>
+                <p:nvPr/>
+              </p:nvSpPr>
+              <p:spPr>
+                <a:xfrm>
+                  <a:off x="0" y="2666"/>
+                  <a:ext cx="6119018" cy="5398009"/>
+                </a:xfrm>
+                <a:prstGeom prst="rect">
+                  <a:avLst/>
+                </a:prstGeom>
+                <a:solidFill>
+                  <a:schemeClr val="bg1"/>
+                </a:solidFill>
+                <a:ln>
+                  <a:noFill/>
+                </a:ln>
+              </p:spPr>
+              <p:style>
+                <a:lnRef idx="2">
+                  <a:schemeClr val="accent1">
+                    <a:shade val="50000"/>
+                  </a:schemeClr>
+                </a:lnRef>
+                <a:fillRef idx="1">
+                  <a:schemeClr val="accent1"/>
+                </a:fillRef>
+                <a:effectRef idx="0">
+                  <a:schemeClr val="accent1"/>
+                </a:effectRef>
+                <a:fontRef idx="minor">
+                  <a:schemeClr val="lt1"/>
+                </a:fontRef>
+              </p:style>
+              <p:txBody>
+                <a:bodyPr rtlCol="0" anchor="ctr"/>
+                <a:lstStyle/>
+                <a:p>
+                  <a:pPr algn="ctr"/>
+                  <a:endParaRPr lang="ko-KR" altLang="en-US"/>
+                </a:p>
+              </p:txBody>
+            </p:sp>
+            <p:pic>
+              <p:nvPicPr>
+                <p:cNvPr id="25" name="Picture 4" descr="아이폰 6 테두리 사진에 대한 이미지 검색결과">
+                  <a:extLst>
+                    <a:ext uri="{FF2B5EF4-FFF2-40B4-BE49-F238E27FC236}">
+                      <a16:creationId xmlns:a16="http://schemas.microsoft.com/office/drawing/2014/main" id="{4E09C771-3159-4CDC-A420-D62F43395891}"/>
+                    </a:ext>
+                  </a:extLst>
+                </p:cNvPr>
+                <p:cNvPicPr>
+                  <a:picLocks noChangeAspect="1" noChangeArrowheads="1"/>
+                </p:cNvPicPr>
+                <p:nvPr/>
+              </p:nvPicPr>
+              <p:blipFill rotWithShape="1">
+                <a:blip r:embed="rId2">
+                  <a:extLst>
+                    <a:ext uri="{28A0092B-C50C-407E-A947-70E740481C1C}">
+                      <a14:useLocalDpi xmlns:a14="http://schemas.microsoft.com/office/drawing/2010/main" val="0"/>
+                    </a:ext>
+                  </a:extLst>
+                </a:blip>
+                <a:srcRect r="64608"/>
+                <a:stretch/>
+              </p:blipFill>
+              <p:spPr bwMode="auto">
+                <a:xfrm>
+                  <a:off x="423381" y="542924"/>
+                  <a:ext cx="2295726" cy="4314826"/>
+                </a:xfrm>
+                <a:prstGeom prst="rect">
+                  <a:avLst/>
+                </a:prstGeom>
+                <a:noFill/>
+                <a:ln>
+                  <a:noFill/>
+                </a:ln>
+                <a:extLst>
+                  <a:ext uri="{909E8E84-426E-40DD-AFC4-6F175D3DCCD1}">
+                    <a14:hiddenFill xmlns:a14="http://schemas.microsoft.com/office/drawing/2010/main">
+                      <a:solidFill>
+                        <a:srgbClr val="FFFFFF"/>
+                      </a:solidFill>
+                    </a14:hiddenFill>
+                  </a:ext>
+                </a:extLst>
+              </p:spPr>
+            </p:pic>
+            <p:sp>
+              <p:nvSpPr>
+                <p:cNvPr id="26" name="직사각형 25">
+                  <a:extLst>
+                    <a:ext uri="{FF2B5EF4-FFF2-40B4-BE49-F238E27FC236}">
+                      <a16:creationId xmlns:a16="http://schemas.microsoft.com/office/drawing/2014/main" id="{DC901088-43B7-4011-8027-3C19DF391ED1}"/>
+                    </a:ext>
+                  </a:extLst>
+                </p:cNvPr>
+                <p:cNvSpPr/>
+                <p:nvPr/>
+              </p:nvSpPr>
+              <p:spPr>
+                <a:xfrm>
+                  <a:off x="3060700" y="2438727"/>
+                  <a:ext cx="3059112" cy="523220"/>
+                </a:xfrm>
+                <a:prstGeom prst="rect">
+                  <a:avLst/>
+                </a:prstGeom>
+                <a:ln>
+                  <a:noFill/>
+                </a:ln>
+              </p:spPr>
+              <p:txBody>
+                <a:bodyPr wrap="square">
+                  <a:spAutoFit/>
+                </a:bodyPr>
+                <a:lstStyle/>
+                <a:p>
+                  <a:pPr algn="ctr"/>
+                  <a:r>
+                    <a:rPr lang="ko-KR" altLang="en-US" sz="1400" dirty="0">
+                      <a:latin typeface="1훈새마을운동 R" panose="02020603020101020101" pitchFamily="18" charset="-127"/>
+                      <a:ea typeface="1훈새마을운동 R" panose="02020603020101020101" pitchFamily="18" charset="-127"/>
+                    </a:rPr>
+                    <a:t>단지 복사만 하면 단어 리스트가 완성됩니다</a:t>
+                  </a:r>
+                  <a:r>
+                    <a:rPr lang="en-US" altLang="ko-KR" sz="1400" dirty="0">
+                      <a:latin typeface="1훈새마을운동 R" panose="02020603020101020101" pitchFamily="18" charset="-127"/>
+                      <a:ea typeface="1훈새마을운동 R" panose="02020603020101020101" pitchFamily="18" charset="-127"/>
+                    </a:rPr>
+                    <a:t>.</a:t>
+                  </a:r>
+                </a:p>
+                <a:p>
+                  <a:pPr algn="ctr"/>
+                  <a:r>
+                    <a:rPr lang="ko-KR" altLang="en-US" sz="1400" dirty="0">
+                      <a:latin typeface="1훈새마을운동 R" panose="02020603020101020101" pitchFamily="18" charset="-127"/>
+                      <a:ea typeface="1훈새마을운동 R" panose="02020603020101020101" pitchFamily="18" charset="-127"/>
+                    </a:rPr>
+                    <a:t>아침 출근길에 외우면 좋겠죠</a:t>
+                  </a:r>
+                  <a:r>
+                    <a:rPr lang="en-US" altLang="ko-KR" sz="1400" dirty="0">
+                      <a:latin typeface="1훈새마을운동 R" panose="02020603020101020101" pitchFamily="18" charset="-127"/>
+                      <a:ea typeface="1훈새마을운동 R" panose="02020603020101020101" pitchFamily="18" charset="-127"/>
+                    </a:rPr>
+                    <a:t>?</a:t>
+                  </a:r>
+                  <a:endParaRPr lang="ko-KR" altLang="en-US" sz="1400" dirty="0">
+                    <a:latin typeface="1훈새마을운동 R" panose="02020603020101020101" pitchFamily="18" charset="-127"/>
+                    <a:ea typeface="1훈새마을운동 R" panose="02020603020101020101" pitchFamily="18" charset="-127"/>
+                  </a:endParaRPr>
+                </a:p>
+              </p:txBody>
+            </p:sp>
+            <p:pic>
+              <p:nvPicPr>
+                <p:cNvPr id="27" name="그림 26">
+                  <a:extLst>
+                    <a:ext uri="{FF2B5EF4-FFF2-40B4-BE49-F238E27FC236}">
+                      <a16:creationId xmlns:a16="http://schemas.microsoft.com/office/drawing/2014/main" id="{206D2346-3E0E-4020-812B-865B1CA4D3C8}"/>
+                    </a:ext>
+                  </a:extLst>
+                </p:cNvPr>
+                <p:cNvPicPr>
+                  <a:picLocks noChangeAspect="1"/>
+                </p:cNvPicPr>
+                <p:nvPr/>
+              </p:nvPicPr>
+              <p:blipFill rotWithShape="1">
+                <a:blip r:embed="rId7"/>
+                <a:srcRect l="33822" r="33924"/>
+                <a:stretch/>
+              </p:blipFill>
+              <p:spPr>
+                <a:xfrm>
+                  <a:off x="711718" y="1276151"/>
+                  <a:ext cx="1709430" cy="2970530"/>
+                </a:xfrm>
+                <a:prstGeom prst="rect">
+                  <a:avLst/>
+                </a:prstGeom>
+                <a:ln>
+                  <a:noFill/>
+                </a:ln>
+              </p:spPr>
+            </p:pic>
+            <p:grpSp>
+              <p:nvGrpSpPr>
+                <p:cNvPr id="28" name="그룹 27">
+                  <a:extLst>
+                    <a:ext uri="{FF2B5EF4-FFF2-40B4-BE49-F238E27FC236}">
+                      <a16:creationId xmlns:a16="http://schemas.microsoft.com/office/drawing/2014/main" id="{42E760C7-EB62-48D2-B3F4-C311C19DE2D9}"/>
+                    </a:ext>
+                  </a:extLst>
+                </p:cNvPr>
+                <p:cNvGrpSpPr/>
+                <p:nvPr/>
+              </p:nvGrpSpPr>
+              <p:grpSpPr>
+                <a:xfrm>
+                  <a:off x="707103" y="1181167"/>
+                  <a:ext cx="1720800" cy="88292"/>
+                  <a:chOff x="707103" y="1181167"/>
+                  <a:chExt cx="1720800" cy="88292"/>
+                </a:xfrm>
+              </p:grpSpPr>
+              <p:pic>
+                <p:nvPicPr>
+                  <p:cNvPr id="29" name="그림 28">
+                    <a:extLst>
+                      <a:ext uri="{FF2B5EF4-FFF2-40B4-BE49-F238E27FC236}">
+                        <a16:creationId xmlns:a16="http://schemas.microsoft.com/office/drawing/2014/main" id="{46B16CAC-04EF-4758-B1E9-3E6933CE4C4C}"/>
+                      </a:ext>
+                    </a:extLst>
+                  </p:cNvPr>
+                  <p:cNvPicPr>
+                    <a:picLocks noChangeAspect="1"/>
+                  </p:cNvPicPr>
+                  <p:nvPr/>
+                </p:nvPicPr>
+                <p:blipFill rotWithShape="1">
+                  <a:blip r:embed="rId3">
+                    <a:duotone>
+                      <a:schemeClr val="bg2">
+                        <a:shade val="45000"/>
+                        <a:satMod val="135000"/>
+                      </a:schemeClr>
+                      <a:prstClr val="white"/>
+                    </a:duotone>
+                  </a:blip>
+                  <a:srcRect b="97512"/>
+                  <a:stretch/>
+                </p:blipFill>
+                <p:spPr>
+                  <a:xfrm>
+                    <a:off x="707103" y="1181167"/>
+                    <a:ext cx="1720800" cy="88292"/>
+                  </a:xfrm>
+                  <a:prstGeom prst="rect">
+                    <a:avLst/>
+                  </a:prstGeom>
+                  <a:ln>
+                    <a:noFill/>
+                  </a:ln>
+                </p:spPr>
+              </p:pic>
+              <p:pic>
+                <p:nvPicPr>
+                  <p:cNvPr id="30" name="그림 29">
+                    <a:extLst>
+                      <a:ext uri="{FF2B5EF4-FFF2-40B4-BE49-F238E27FC236}">
+                        <a16:creationId xmlns:a16="http://schemas.microsoft.com/office/drawing/2014/main" id="{FB9A2E03-2276-4F85-9C61-99DCF935B74D}"/>
+                      </a:ext>
+                    </a:extLst>
+                  </p:cNvPr>
+                  <p:cNvPicPr>
+                    <a:picLocks noChangeAspect="1"/>
+                  </p:cNvPicPr>
+                  <p:nvPr/>
+                </p:nvPicPr>
+                <p:blipFill rotWithShape="1">
+                  <a:blip r:embed="rId4">
+                    <a:duotone>
+                      <a:schemeClr val="bg2">
+                        <a:shade val="45000"/>
+                        <a:satMod val="135000"/>
+                      </a:schemeClr>
+                      <a:prstClr val="white"/>
+                    </a:duotone>
+                    <a:extLst>
+                      <a:ext uri="{BEBA8EAE-BF5A-486C-A8C5-ECC9F3942E4B}">
+                        <a14:imgProps xmlns:a14="http://schemas.microsoft.com/office/drawing/2010/main">
+                          <a14:imgLayer r:embed="rId5">
+                            <a14:imgEffect>
+                              <a14:brightnessContrast bright="29000"/>
+                            </a14:imgEffect>
+                          </a14:imgLayer>
+                        </a14:imgProps>
+                      </a:ext>
+                    </a:extLst>
+                  </a:blip>
+                  <a:srcRect l="27545" r="55019" b="97512"/>
+                  <a:stretch/>
+                </p:blipFill>
+                <p:spPr>
+                  <a:xfrm>
+                    <a:off x="823911" y="1181167"/>
+                    <a:ext cx="300039" cy="88292"/>
+                  </a:xfrm>
+                  <a:prstGeom prst="rect">
+                    <a:avLst/>
+                  </a:prstGeom>
+                  <a:ln>
+                    <a:noFill/>
+                  </a:ln>
+                </p:spPr>
+              </p:pic>
+            </p:grpSp>
+          </p:grpSp>
+          <p:grpSp>
+            <p:nvGrpSpPr>
+              <p:cNvPr id="31" name="그룹 30">
+                <a:extLst>
+                  <a:ext uri="{FF2B5EF4-FFF2-40B4-BE49-F238E27FC236}">
+                    <a16:creationId xmlns:a16="http://schemas.microsoft.com/office/drawing/2014/main" id="{D598282C-DC6D-4D26-94AE-8F906E8D147F}"/>
+                  </a:ext>
+                </a:extLst>
+              </p:cNvPr>
+              <p:cNvGrpSpPr/>
+              <p:nvPr/>
+            </p:nvGrpSpPr>
+            <p:grpSpPr>
+              <a:xfrm>
+                <a:off x="794" y="15125753"/>
+                <a:ext cx="6119812" cy="5398009"/>
+                <a:chOff x="0" y="2666"/>
+                <a:chExt cx="6119812" cy="5398009"/>
+              </a:xfrm>
+            </p:grpSpPr>
+            <p:sp>
+              <p:nvSpPr>
+                <p:cNvPr id="32" name="직사각형 31">
+                  <a:extLst>
+                    <a:ext uri="{FF2B5EF4-FFF2-40B4-BE49-F238E27FC236}">
+                      <a16:creationId xmlns:a16="http://schemas.microsoft.com/office/drawing/2014/main" id="{7B51DE51-C1A7-45FA-A526-A28153D8B1F9}"/>
+                    </a:ext>
+                  </a:extLst>
+                </p:cNvPr>
+                <p:cNvSpPr/>
+                <p:nvPr/>
+              </p:nvSpPr>
+              <p:spPr>
+                <a:xfrm>
+                  <a:off x="0" y="2666"/>
+                  <a:ext cx="6119018" cy="5398009"/>
+                </a:xfrm>
+                <a:prstGeom prst="rect">
+                  <a:avLst/>
+                </a:prstGeom>
+                <a:solidFill>
+                  <a:schemeClr val="bg1"/>
+                </a:solidFill>
+                <a:ln>
+                  <a:noFill/>
+                </a:ln>
+              </p:spPr>
+              <p:style>
+                <a:lnRef idx="2">
+                  <a:schemeClr val="accent1">
+                    <a:shade val="50000"/>
+                  </a:schemeClr>
+                </a:lnRef>
+                <a:fillRef idx="1">
+                  <a:schemeClr val="accent1"/>
+                </a:fillRef>
+                <a:effectRef idx="0">
+                  <a:schemeClr val="accent1"/>
+                </a:effectRef>
+                <a:fontRef idx="minor">
+                  <a:schemeClr val="lt1"/>
+                </a:fontRef>
+              </p:style>
+              <p:txBody>
+                <a:bodyPr rtlCol="0" anchor="ctr"/>
+                <a:lstStyle/>
+                <a:p>
+                  <a:pPr algn="ctr"/>
+                  <a:endParaRPr lang="ko-KR" altLang="en-US" dirty="0"/>
+                </a:p>
+              </p:txBody>
+            </p:sp>
+            <p:pic>
+              <p:nvPicPr>
+                <p:cNvPr id="33" name="Picture 4" descr="아이폰 6 테두리 사진에 대한 이미지 검색결과">
+                  <a:extLst>
+                    <a:ext uri="{FF2B5EF4-FFF2-40B4-BE49-F238E27FC236}">
+                      <a16:creationId xmlns:a16="http://schemas.microsoft.com/office/drawing/2014/main" id="{9DB74949-0003-4A71-AB6F-514663ED143F}"/>
+                    </a:ext>
+                  </a:extLst>
+                </p:cNvPr>
+                <p:cNvPicPr>
+                  <a:picLocks noChangeAspect="1" noChangeArrowheads="1"/>
+                </p:cNvPicPr>
+                <p:nvPr/>
+              </p:nvPicPr>
+              <p:blipFill rotWithShape="1">
+                <a:blip r:embed="rId2">
+                  <a:extLst>
+                    <a:ext uri="{28A0092B-C50C-407E-A947-70E740481C1C}">
+                      <a14:useLocalDpi xmlns:a14="http://schemas.microsoft.com/office/drawing/2010/main" val="0"/>
+                    </a:ext>
+                  </a:extLst>
+                </a:blip>
+                <a:srcRect r="64608"/>
+                <a:stretch/>
+              </p:blipFill>
+              <p:spPr bwMode="auto">
+                <a:xfrm>
+                  <a:off x="423381" y="542924"/>
+                  <a:ext cx="2295726" cy="4314826"/>
+                </a:xfrm>
+                <a:prstGeom prst="rect">
+                  <a:avLst/>
+                </a:prstGeom>
+                <a:noFill/>
+                <a:ln>
+                  <a:noFill/>
+                </a:ln>
+                <a:extLst>
+                  <a:ext uri="{909E8E84-426E-40DD-AFC4-6F175D3DCCD1}">
+                    <a14:hiddenFill xmlns:a14="http://schemas.microsoft.com/office/drawing/2010/main">
+                      <a:solidFill>
+                        <a:srgbClr val="FFFFFF"/>
+                      </a:solidFill>
+                    </a14:hiddenFill>
+                  </a:ext>
+                </a:extLst>
+              </p:spPr>
+            </p:pic>
+            <p:pic>
+              <p:nvPicPr>
+                <p:cNvPr id="34" name="그림 33">
+                  <a:extLst>
+                    <a:ext uri="{FF2B5EF4-FFF2-40B4-BE49-F238E27FC236}">
+                      <a16:creationId xmlns:a16="http://schemas.microsoft.com/office/drawing/2014/main" id="{3FF85C11-30C0-42D4-88F4-BD9E32D576C5}"/>
+                    </a:ext>
+                  </a:extLst>
+                </p:cNvPr>
+                <p:cNvPicPr>
+                  <a:picLocks noChangeAspect="1"/>
+                </p:cNvPicPr>
+                <p:nvPr/>
+              </p:nvPicPr>
+              <p:blipFill rotWithShape="1">
+                <a:blip r:embed="rId8"/>
+                <a:srcRect l="33895" r="33852"/>
+                <a:stretch/>
+              </p:blipFill>
+              <p:spPr>
+                <a:xfrm>
+                  <a:off x="713453" y="1265455"/>
+                  <a:ext cx="1710000" cy="2982220"/>
+                </a:xfrm>
+                <a:prstGeom prst="rect">
+                  <a:avLst/>
+                </a:prstGeom>
+                <a:ln>
+                  <a:noFill/>
+                </a:ln>
+              </p:spPr>
+            </p:pic>
+            <p:sp>
+              <p:nvSpPr>
+                <p:cNvPr id="35" name="직사각형 34">
+                  <a:extLst>
+                    <a:ext uri="{FF2B5EF4-FFF2-40B4-BE49-F238E27FC236}">
+                      <a16:creationId xmlns:a16="http://schemas.microsoft.com/office/drawing/2014/main" id="{25244149-96D2-4C0B-9076-BEC812AE4670}"/>
+                    </a:ext>
+                  </a:extLst>
+                </p:cNvPr>
+                <p:cNvSpPr/>
+                <p:nvPr/>
+              </p:nvSpPr>
+              <p:spPr>
+                <a:xfrm>
+                  <a:off x="3060700" y="2438727"/>
+                  <a:ext cx="3059112" cy="523220"/>
+                </a:xfrm>
+                <a:prstGeom prst="rect">
+                  <a:avLst/>
+                </a:prstGeom>
+                <a:ln>
+                  <a:noFill/>
+                </a:ln>
+              </p:spPr>
+              <p:txBody>
+                <a:bodyPr wrap="square">
+                  <a:spAutoFit/>
+                </a:bodyPr>
+                <a:lstStyle/>
+                <a:p>
+                  <a:pPr algn="ctr"/>
+                  <a:r>
+                    <a:rPr lang="ko-KR" altLang="en-US" sz="1400" dirty="0">
+                      <a:solidFill>
+                        <a:schemeClr val="tx1">
+                          <a:lumMod val="85000"/>
+                          <a:lumOff val="15000"/>
+                        </a:schemeClr>
+                      </a:solidFill>
+                      <a:latin typeface="1훈새마을운동 R" panose="02020603020101020101" pitchFamily="18" charset="-127"/>
+                      <a:ea typeface="1훈새마을운동 R" panose="02020603020101020101" pitchFamily="18" charset="-127"/>
+                    </a:rPr>
+                    <a:t>복사가 어려울 때는 촬영을 할 수 있습니다</a:t>
+                  </a:r>
+                  <a:r>
+                    <a:rPr lang="en-US" altLang="ko-KR" sz="1400" dirty="0">
+                      <a:solidFill>
+                        <a:schemeClr val="tx1">
+                          <a:lumMod val="85000"/>
+                          <a:lumOff val="15000"/>
+                        </a:schemeClr>
+                      </a:solidFill>
+                      <a:latin typeface="1훈새마을운동 R" panose="02020603020101020101" pitchFamily="18" charset="-127"/>
+                      <a:ea typeface="1훈새마을운동 R" panose="02020603020101020101" pitchFamily="18" charset="-127"/>
+                    </a:rPr>
+                    <a:t>.</a:t>
+                  </a:r>
+                </a:p>
+                <a:p>
+                  <a:pPr algn="ctr"/>
+                  <a:r>
+                    <a:rPr lang="ko-KR" altLang="en-US" sz="1400" dirty="0">
+                      <a:solidFill>
+                        <a:schemeClr val="tx1">
+                          <a:lumMod val="85000"/>
+                          <a:lumOff val="15000"/>
+                        </a:schemeClr>
+                      </a:solidFill>
+                      <a:latin typeface="1훈새마을운동 R" panose="02020603020101020101" pitchFamily="18" charset="-127"/>
+                      <a:ea typeface="1훈새마을운동 R" panose="02020603020101020101" pitchFamily="18" charset="-127"/>
+                    </a:rPr>
+                    <a:t>좋아하는 소설을 완독해봐요</a:t>
+                  </a:r>
+                  <a:r>
+                    <a:rPr lang="en-US" altLang="ko-KR" sz="1400" dirty="0">
+                      <a:solidFill>
+                        <a:schemeClr val="tx1">
+                          <a:lumMod val="85000"/>
+                          <a:lumOff val="15000"/>
+                        </a:schemeClr>
+                      </a:solidFill>
+                      <a:latin typeface="1훈새마을운동 R" panose="02020603020101020101" pitchFamily="18" charset="-127"/>
+                      <a:ea typeface="1훈새마을운동 R" panose="02020603020101020101" pitchFamily="18" charset="-127"/>
+                    </a:rPr>
+                    <a:t>!</a:t>
+                  </a:r>
+                  <a:endParaRPr lang="ko-KR" altLang="en-US" sz="1400" dirty="0">
+                    <a:solidFill>
+                      <a:schemeClr val="tx1">
+                        <a:lumMod val="85000"/>
+                        <a:lumOff val="15000"/>
+                      </a:schemeClr>
+                    </a:solidFill>
+                    <a:latin typeface="1훈새마을운동 R" panose="02020603020101020101" pitchFamily="18" charset="-127"/>
+                    <a:ea typeface="1훈새마을운동 R" panose="02020603020101020101" pitchFamily="18" charset="-127"/>
+                  </a:endParaRPr>
+                </a:p>
+              </p:txBody>
+            </p:sp>
+            <p:grpSp>
+              <p:nvGrpSpPr>
+                <p:cNvPr id="36" name="그룹 35">
+                  <a:extLst>
+                    <a:ext uri="{FF2B5EF4-FFF2-40B4-BE49-F238E27FC236}">
+                      <a16:creationId xmlns:a16="http://schemas.microsoft.com/office/drawing/2014/main" id="{A867847D-4480-4851-A306-6E494B0E53A5}"/>
+                    </a:ext>
+                  </a:extLst>
+                </p:cNvPr>
+                <p:cNvGrpSpPr/>
+                <p:nvPr/>
+              </p:nvGrpSpPr>
+              <p:grpSpPr>
+                <a:xfrm>
+                  <a:off x="707103" y="1181167"/>
+                  <a:ext cx="1720800" cy="88292"/>
+                  <a:chOff x="707103" y="1181167"/>
+                  <a:chExt cx="1720800" cy="88292"/>
+                </a:xfrm>
+              </p:grpSpPr>
+              <p:pic>
+                <p:nvPicPr>
+                  <p:cNvPr id="37" name="그림 36">
+                    <a:extLst>
+                      <a:ext uri="{FF2B5EF4-FFF2-40B4-BE49-F238E27FC236}">
+                        <a16:creationId xmlns:a16="http://schemas.microsoft.com/office/drawing/2014/main" id="{90A0829D-8BE1-449B-802A-61B05E5AE101}"/>
+                      </a:ext>
+                    </a:extLst>
+                  </p:cNvPr>
+                  <p:cNvPicPr>
+                    <a:picLocks noChangeAspect="1"/>
+                  </p:cNvPicPr>
+                  <p:nvPr/>
+                </p:nvPicPr>
+                <p:blipFill rotWithShape="1">
+                  <a:blip r:embed="rId3">
+                    <a:duotone>
+                      <a:schemeClr val="bg2">
+                        <a:shade val="45000"/>
+                        <a:satMod val="135000"/>
+                      </a:schemeClr>
+                      <a:prstClr val="white"/>
+                    </a:duotone>
+                  </a:blip>
+                  <a:srcRect b="97512"/>
+                  <a:stretch/>
+                </p:blipFill>
+                <p:spPr>
+                  <a:xfrm>
+                    <a:off x="707103" y="1181167"/>
+                    <a:ext cx="1720800" cy="88292"/>
+                  </a:xfrm>
+                  <a:prstGeom prst="rect">
+                    <a:avLst/>
+                  </a:prstGeom>
+                  <a:ln>
+                    <a:noFill/>
+                  </a:ln>
+                </p:spPr>
+              </p:pic>
+              <p:pic>
+                <p:nvPicPr>
+                  <p:cNvPr id="38" name="그림 37">
+                    <a:extLst>
+                      <a:ext uri="{FF2B5EF4-FFF2-40B4-BE49-F238E27FC236}">
+                        <a16:creationId xmlns:a16="http://schemas.microsoft.com/office/drawing/2014/main" id="{C730B62E-29C4-49A2-B6D5-E7F80E12C64A}"/>
+                      </a:ext>
+                    </a:extLst>
+                  </p:cNvPr>
+                  <p:cNvPicPr>
+                    <a:picLocks noChangeAspect="1"/>
+                  </p:cNvPicPr>
+                  <p:nvPr/>
+                </p:nvPicPr>
+                <p:blipFill rotWithShape="1">
+                  <a:blip r:embed="rId4">
+                    <a:duotone>
+                      <a:schemeClr val="bg2">
+                        <a:shade val="45000"/>
+                        <a:satMod val="135000"/>
+                      </a:schemeClr>
+                      <a:prstClr val="white"/>
+                    </a:duotone>
+                    <a:extLst>
+                      <a:ext uri="{BEBA8EAE-BF5A-486C-A8C5-ECC9F3942E4B}">
+                        <a14:imgProps xmlns:a14="http://schemas.microsoft.com/office/drawing/2010/main">
+                          <a14:imgLayer r:embed="rId5">
+                            <a14:imgEffect>
+                              <a14:brightnessContrast bright="29000"/>
+                            </a14:imgEffect>
+                          </a14:imgLayer>
+                        </a14:imgProps>
+                      </a:ext>
+                    </a:extLst>
+                  </a:blip>
+                  <a:srcRect l="27545" r="55019" b="97512"/>
+                  <a:stretch/>
+                </p:blipFill>
+                <p:spPr>
+                  <a:xfrm>
+                    <a:off x="823911" y="1181167"/>
+                    <a:ext cx="300039" cy="88292"/>
+                  </a:xfrm>
+                  <a:prstGeom prst="rect">
+                    <a:avLst/>
+                  </a:prstGeom>
+                  <a:ln>
+                    <a:noFill/>
+                  </a:ln>
+                </p:spPr>
+              </p:pic>
+            </p:grpSp>
+          </p:grpSp>
+          <p:grpSp>
+            <p:nvGrpSpPr>
+              <p:cNvPr id="39" name="그룹 38">
+                <a:extLst>
+                  <a:ext uri="{FF2B5EF4-FFF2-40B4-BE49-F238E27FC236}">
+                    <a16:creationId xmlns:a16="http://schemas.microsoft.com/office/drawing/2014/main" id="{492AB20C-AD82-4D39-A2CE-A10FE95316E2}"/>
+                  </a:ext>
+                </a:extLst>
+              </p:cNvPr>
+              <p:cNvGrpSpPr/>
+              <p:nvPr/>
+            </p:nvGrpSpPr>
+            <p:grpSpPr>
+              <a:xfrm>
+                <a:off x="793" y="20133884"/>
+                <a:ext cx="6119813" cy="5398009"/>
+                <a:chOff x="-1" y="2666"/>
+                <a:chExt cx="6119813" cy="5398009"/>
+              </a:xfrm>
+            </p:grpSpPr>
+            <p:sp>
+              <p:nvSpPr>
+                <p:cNvPr id="40" name="직사각형 39">
+                  <a:extLst>
+                    <a:ext uri="{FF2B5EF4-FFF2-40B4-BE49-F238E27FC236}">
+                      <a16:creationId xmlns:a16="http://schemas.microsoft.com/office/drawing/2014/main" id="{8DC0AC81-95DF-47EC-B3EB-B5306E833CF9}"/>
+                    </a:ext>
+                  </a:extLst>
+                </p:cNvPr>
+                <p:cNvSpPr/>
+                <p:nvPr/>
+              </p:nvSpPr>
+              <p:spPr>
+                <a:xfrm>
+                  <a:off x="0" y="2666"/>
+                  <a:ext cx="6119018" cy="5398009"/>
+                </a:xfrm>
+                <a:prstGeom prst="rect">
+                  <a:avLst/>
+                </a:prstGeom>
+                <a:solidFill>
+                  <a:schemeClr val="bg1"/>
+                </a:solidFill>
+                <a:ln>
+                  <a:noFill/>
+                </a:ln>
+              </p:spPr>
+              <p:style>
+                <a:lnRef idx="2">
+                  <a:schemeClr val="accent1">
+                    <a:shade val="50000"/>
+                  </a:schemeClr>
+                </a:lnRef>
+                <a:fillRef idx="1">
+                  <a:schemeClr val="accent1"/>
+                </a:fillRef>
+                <a:effectRef idx="0">
+                  <a:schemeClr val="accent1"/>
+                </a:effectRef>
+                <a:fontRef idx="minor">
+                  <a:schemeClr val="lt1"/>
+                </a:fontRef>
+              </p:style>
+              <p:txBody>
+                <a:bodyPr rtlCol="0" anchor="ctr"/>
+                <a:lstStyle/>
+                <a:p>
+                  <a:pPr algn="ctr"/>
+                  <a:endParaRPr lang="ko-KR" altLang="en-US"/>
+                </a:p>
+              </p:txBody>
+            </p:sp>
+            <p:pic>
+              <p:nvPicPr>
+                <p:cNvPr id="41" name="Picture 4" descr="아이폰 6 테두리 사진에 대한 이미지 검색결과">
+                  <a:extLst>
+                    <a:ext uri="{FF2B5EF4-FFF2-40B4-BE49-F238E27FC236}">
+                      <a16:creationId xmlns:a16="http://schemas.microsoft.com/office/drawing/2014/main" id="{D79F58F6-A332-45FD-A86A-EBFC60568358}"/>
+                    </a:ext>
+                  </a:extLst>
+                </p:cNvPr>
+                <p:cNvPicPr>
+                  <a:picLocks noChangeAspect="1" noChangeArrowheads="1"/>
+                </p:cNvPicPr>
+                <p:nvPr/>
+              </p:nvPicPr>
+              <p:blipFill rotWithShape="1">
+                <a:blip r:embed="rId2">
+                  <a:extLst>
+                    <a:ext uri="{28A0092B-C50C-407E-A947-70E740481C1C}">
+                      <a14:useLocalDpi xmlns:a14="http://schemas.microsoft.com/office/drawing/2010/main" val="0"/>
+                    </a:ext>
+                  </a:extLst>
+                </a:blip>
+                <a:srcRect r="64608"/>
+                <a:stretch/>
+              </p:blipFill>
+              <p:spPr bwMode="auto">
+                <a:xfrm>
+                  <a:off x="3400706" y="542924"/>
+                  <a:ext cx="2295726" cy="4314826"/>
+                </a:xfrm>
+                <a:prstGeom prst="rect">
+                  <a:avLst/>
+                </a:prstGeom>
+                <a:noFill/>
+                <a:ln>
+                  <a:noFill/>
+                </a:ln>
+                <a:extLst>
+                  <a:ext uri="{909E8E84-426E-40DD-AFC4-6F175D3DCCD1}">
+                    <a14:hiddenFill xmlns:a14="http://schemas.microsoft.com/office/drawing/2010/main">
+                      <a:solidFill>
+                        <a:srgbClr val="FFFFFF"/>
+                      </a:solidFill>
+                    </a14:hiddenFill>
+                  </a:ext>
+                </a:extLst>
+              </p:spPr>
+            </p:pic>
+            <p:pic>
+              <p:nvPicPr>
+                <p:cNvPr id="42" name="그림 41">
+                  <a:extLst>
+                    <a:ext uri="{FF2B5EF4-FFF2-40B4-BE49-F238E27FC236}">
+                      <a16:creationId xmlns:a16="http://schemas.microsoft.com/office/drawing/2014/main" id="{6999EBE7-A47E-4DDB-A595-635511709EBF}"/>
+                    </a:ext>
+                  </a:extLst>
+                </p:cNvPr>
+                <p:cNvPicPr>
+                  <a:picLocks noChangeAspect="1"/>
+                </p:cNvPicPr>
+                <p:nvPr/>
+              </p:nvPicPr>
+              <p:blipFill rotWithShape="1">
+                <a:blip r:embed="rId9"/>
+                <a:srcRect l="33912" r="33856"/>
+                <a:stretch/>
+              </p:blipFill>
+              <p:spPr>
+                <a:xfrm>
+                  <a:off x="3690778" y="1259444"/>
+                  <a:ext cx="1708906" cy="2982221"/>
                 </a:xfrm>
                 <a:prstGeom prst="rect">
                   <a:avLst/>
@@ -3184,10 +4777,58 @@
             </p:pic>
             <p:pic>
               <p:nvPicPr>
-                <p:cNvPr id="14" name="그림 13">
+                <p:cNvPr id="43" name="Picture 4" descr="아이폰 6 테두리 사진에 대한 이미지 검색결과">
                   <a:extLst>
                     <a:ext uri="{FF2B5EF4-FFF2-40B4-BE49-F238E27FC236}">
-                      <a16:creationId xmlns:a16="http://schemas.microsoft.com/office/drawing/2014/main" id="{DF3F705C-9A6C-42FF-9D45-EFCAE835236E}"/>
+                      <a16:creationId xmlns:a16="http://schemas.microsoft.com/office/drawing/2014/main" id="{3362FE88-161F-4D45-A70C-610456A47EE4}"/>
+                    </a:ext>
+                  </a:extLst>
+                </p:cNvPr>
+                <p:cNvPicPr>
+                  <a:picLocks noChangeAspect="1" noChangeArrowheads="1"/>
+                </p:cNvPicPr>
+                <p:nvPr/>
+              </p:nvPicPr>
+              <p:blipFill rotWithShape="1">
+                <a:blip r:embed="rId2">
+                  <a:extLst>
+                    <a:ext uri="{28A0092B-C50C-407E-A947-70E740481C1C}">
+                      <a14:useLocalDpi xmlns:a14="http://schemas.microsoft.com/office/drawing/2010/main" val="0"/>
+                    </a:ext>
+                  </a:extLst>
+                </a:blip>
+                <a:srcRect r="64608"/>
+                <a:stretch/>
+              </p:blipFill>
+              <p:spPr bwMode="auto">
+                <a:xfrm>
+                  <a:off x="423381" y="542924"/>
+                  <a:ext cx="2295726" cy="4314826"/>
+                </a:xfrm>
+                <a:prstGeom prst="rect">
+                  <a:avLst/>
+                </a:prstGeom>
+                <a:noFill/>
+                <a:ln>
+                  <a:noFill/>
+                </a:ln>
+                <a:extLst>
+                  <a:ext uri="{909E8E84-426E-40DD-AFC4-6F175D3DCCD1}">
+                    <a14:hiddenFill xmlns:a14="http://schemas.microsoft.com/office/drawing/2010/main">
+                      <a:solidFill>
+                        <a:srgbClr val="FFFFFF"/>
+                      </a:solidFill>
+                    </a14:hiddenFill>
+                  </a:ext>
+                </a:extLst>
+              </p:spPr>
+            </p:pic>
+            <p:pic>
+              <p:nvPicPr>
+                <p:cNvPr id="44" name="그림 43">
+                  <a:extLst>
+                    <a:ext uri="{FF2B5EF4-FFF2-40B4-BE49-F238E27FC236}">
+                      <a16:creationId xmlns:a16="http://schemas.microsoft.com/office/drawing/2014/main" id="{8E3716BA-BDE1-4A0A-B95E-696C403A237C}"/>
                     </a:ext>
                   </a:extLst>
                 </p:cNvPr>
@@ -3197,33 +4838,14 @@
                 <p:nvPr/>
               </p:nvPicPr>
               <p:blipFill rotWithShape="1">
-                <a:blip r:embed="rId4">
-                  <a:duotone>
-                    <a:schemeClr val="bg2">
-                      <a:shade val="45000"/>
-                      <a:satMod val="135000"/>
-                    </a:schemeClr>
-                    <a:prstClr val="white"/>
-                  </a:duotone>
-                  <a:extLst>
-                    <a:ext uri="{BEBA8EAE-BF5A-486C-A8C5-ECC9F3942E4B}">
-                      <a14:imgProps xmlns:a14="http://schemas.microsoft.com/office/drawing/2010/main">
-                        <a14:imgLayer r:embed="rId5">
-                          <a14:imgEffect>
-                            <a14:brightnessContrast bright="29000"/>
-                          </a14:imgEffect>
-                        </a14:imgLayer>
-                      </a14:imgProps>
-                    </a:ext>
-                  </a:extLst>
-                </a:blip>
-                <a:srcRect l="27545" r="55019" b="97512"/>
+                <a:blip r:embed="rId10"/>
+                <a:srcRect l="33917" r="33850"/>
                 <a:stretch/>
               </p:blipFill>
               <p:spPr>
                 <a:xfrm>
-                  <a:off x="823911" y="1181167"/>
-                  <a:ext cx="300039" cy="88292"/>
+                  <a:off x="713453" y="1265455"/>
+                  <a:ext cx="1708906" cy="2982220"/>
                 </a:xfrm>
                 <a:prstGeom prst="rect">
                   <a:avLst/>
@@ -3233,205 +4855,294 @@
                 </a:ln>
               </p:spPr>
             </p:pic>
-          </p:grpSp>
-          <p:sp>
-            <p:nvSpPr>
-              <p:cNvPr id="8" name="직사각형 7">
-                <a:extLst>
-                  <a:ext uri="{FF2B5EF4-FFF2-40B4-BE49-F238E27FC236}">
-                    <a16:creationId xmlns:a16="http://schemas.microsoft.com/office/drawing/2014/main" id="{F54FE429-D089-491A-99D6-239CFB6333D3}"/>
-                  </a:ext>
-                </a:extLst>
-              </p:cNvPr>
-              <p:cNvSpPr/>
-              <p:nvPr/>
-            </p:nvSpPr>
-            <p:spPr>
-              <a:xfrm>
-                <a:off x="713453" y="1269458"/>
-                <a:ext cx="1707683" cy="2970539"/>
-              </a:xfrm>
-              <a:prstGeom prst="rect">
-                <a:avLst/>
-              </a:prstGeom>
-              <a:solidFill>
-                <a:schemeClr val="bg1"/>
-              </a:solidFill>
-              <a:ln>
-                <a:noFill/>
-              </a:ln>
-            </p:spPr>
-            <p:style>
-              <a:lnRef idx="2">
-                <a:schemeClr val="accent1">
-                  <a:shade val="50000"/>
-                </a:schemeClr>
-              </a:lnRef>
-              <a:fillRef idx="1">
-                <a:schemeClr val="accent1"/>
-              </a:fillRef>
-              <a:effectRef idx="0">
-                <a:schemeClr val="accent1"/>
-              </a:effectRef>
-              <a:fontRef idx="minor">
-                <a:schemeClr val="lt1"/>
-              </a:fontRef>
-            </p:style>
-            <p:txBody>
-              <a:bodyPr rtlCol="0" anchor="ctr"/>
-              <a:lstStyle/>
-              <a:p>
-                <a:pPr algn="ctr"/>
-                <a:endParaRPr lang="ko-KR" altLang="en-US" dirty="0"/>
-              </a:p>
-            </p:txBody>
-          </p:sp>
-          <p:sp>
-            <p:nvSpPr>
-              <p:cNvPr id="9" name="직사각형 8">
-                <a:extLst>
-                  <a:ext uri="{FF2B5EF4-FFF2-40B4-BE49-F238E27FC236}">
-                    <a16:creationId xmlns:a16="http://schemas.microsoft.com/office/drawing/2014/main" id="{38DDB77D-7B3F-4869-9854-FDF026A9646D}"/>
-                  </a:ext>
-                </a:extLst>
-              </p:cNvPr>
-              <p:cNvSpPr/>
-              <p:nvPr/>
-            </p:nvSpPr>
-            <p:spPr>
-              <a:xfrm>
-                <a:off x="975950" y="2163383"/>
-                <a:ext cx="1182689" cy="1182689"/>
-              </a:xfrm>
-              <a:prstGeom prst="rect">
-                <a:avLst/>
-              </a:prstGeom>
-              <a:solidFill>
-                <a:schemeClr val="accent5">
-                  <a:lumMod val="60000"/>
-                  <a:lumOff val="40000"/>
-                </a:schemeClr>
-              </a:solidFill>
-              <a:ln>
-                <a:noFill/>
-              </a:ln>
-            </p:spPr>
-            <p:style>
-              <a:lnRef idx="2">
-                <a:schemeClr val="accent1">
-                  <a:shade val="50000"/>
-                </a:schemeClr>
-              </a:lnRef>
-              <a:fillRef idx="1">
-                <a:schemeClr val="accent1"/>
-              </a:fillRef>
-              <a:effectRef idx="0">
-                <a:schemeClr val="accent1"/>
-              </a:effectRef>
-              <a:fontRef idx="minor">
-                <a:schemeClr val="lt1"/>
-              </a:fontRef>
-            </p:style>
-            <p:txBody>
-              <a:bodyPr rtlCol="0" anchor="ctr"/>
-              <a:lstStyle/>
-              <a:p>
-                <a:pPr algn="ctr"/>
-                <a:endParaRPr lang="ko-KR" altLang="en-US" sz="2000"/>
-              </a:p>
-            </p:txBody>
-          </p:sp>
-          <p:sp>
-            <p:nvSpPr>
-              <p:cNvPr id="10" name="TextBox 9">
-                <a:extLst>
-                  <a:ext uri="{FF2B5EF4-FFF2-40B4-BE49-F238E27FC236}">
-                    <a16:creationId xmlns:a16="http://schemas.microsoft.com/office/drawing/2014/main" id="{EC049D0E-420F-4AF3-AFA6-80D1D11A5FB4}"/>
-                  </a:ext>
-                </a:extLst>
-              </p:cNvPr>
-              <p:cNvSpPr txBox="1"/>
-              <p:nvPr/>
-            </p:nvSpPr>
-            <p:spPr>
-              <a:xfrm>
-                <a:off x="976276" y="2431562"/>
-                <a:ext cx="1182037" cy="646331"/>
-              </a:xfrm>
-              <a:prstGeom prst="rect">
-                <a:avLst/>
-              </a:prstGeom>
-              <a:noFill/>
-              <a:ln>
-                <a:noFill/>
-              </a:ln>
-            </p:spPr>
-            <p:txBody>
-              <a:bodyPr wrap="square" rtlCol="0">
-                <a:spAutoFit/>
-              </a:bodyPr>
-              <a:lstStyle/>
-              <a:p>
-                <a:pPr algn="ctr"/>
-                <a:r>
-                  <a:rPr lang="en-US" altLang="ko-KR" dirty="0">
-                    <a:solidFill>
-                      <a:schemeClr val="bg1"/>
-                    </a:solidFill>
-                    <a:latin typeface="배달의민족 주아" panose="02020603020101020101" pitchFamily="18" charset="-127"/>
-                    <a:ea typeface="배달의민족 주아" panose="02020603020101020101" pitchFamily="18" charset="-127"/>
-                  </a:rPr>
-                  <a:t>Smarty word</a:t>
-                </a:r>
-                <a:endParaRPr lang="ko-KR" altLang="en-US" dirty="0">
-                  <a:solidFill>
-                    <a:schemeClr val="bg1"/>
-                  </a:solidFill>
-                  <a:latin typeface="배달의민족 주아" panose="02020603020101020101" pitchFamily="18" charset="-127"/>
-                  <a:ea typeface="배달의민족 주아" panose="02020603020101020101" pitchFamily="18" charset="-127"/>
-                </a:endParaRPr>
-              </a:p>
-            </p:txBody>
-          </p:sp>
-          <p:sp>
-            <p:nvSpPr>
-              <p:cNvPr id="11" name="직사각형 10">
-                <a:extLst>
-                  <a:ext uri="{FF2B5EF4-FFF2-40B4-BE49-F238E27FC236}">
-                    <a16:creationId xmlns:a16="http://schemas.microsoft.com/office/drawing/2014/main" id="{4942A4B7-E81B-467A-B3D6-9F5E06D9ADBD}"/>
-                  </a:ext>
-                </a:extLst>
-              </p:cNvPr>
-              <p:cNvSpPr/>
-              <p:nvPr/>
-            </p:nvSpPr>
-            <p:spPr>
-              <a:xfrm>
-                <a:off x="3059906" y="2546448"/>
-                <a:ext cx="3059112" cy="307777"/>
-              </a:xfrm>
-              <a:prstGeom prst="rect">
-                <a:avLst/>
-              </a:prstGeom>
-              <a:ln>
-                <a:noFill/>
-              </a:ln>
-              <a:effectLst>
-                <a:glow>
-                  <a:srgbClr val="77BF6D"/>
-                </a:glow>
-                <a:reflection blurRad="12700" stA="96000" endPos="0" dir="5400000" sy="-100000" algn="bl" rotWithShape="0"/>
-              </a:effectLst>
-            </p:spPr>
-            <p:txBody>
-              <a:bodyPr wrap="square">
-                <a:spAutoFit/>
-              </a:bodyPr>
-              <a:lstStyle/>
-              <a:p>
-                <a:pPr algn="ctr"/>
-                <a:r>
-                  <a:rPr lang="ko-KR" altLang="en-US" sz="1400" dirty="0">
+            <p:grpSp>
+              <p:nvGrpSpPr>
+                <p:cNvPr id="45" name="그룹 44">
+                  <a:extLst>
+                    <a:ext uri="{FF2B5EF4-FFF2-40B4-BE49-F238E27FC236}">
+                      <a16:creationId xmlns:a16="http://schemas.microsoft.com/office/drawing/2014/main" id="{F4408A3F-F492-4FE6-921E-F615A9520D85}"/>
+                    </a:ext>
+                  </a:extLst>
+                </p:cNvPr>
+                <p:cNvGrpSpPr/>
+                <p:nvPr/>
+              </p:nvGrpSpPr>
+              <p:grpSpPr>
+                <a:xfrm>
+                  <a:off x="707103" y="1181167"/>
+                  <a:ext cx="1720800" cy="88292"/>
+                  <a:chOff x="707103" y="1181167"/>
+                  <a:chExt cx="1720800" cy="88292"/>
+                </a:xfrm>
+              </p:grpSpPr>
+              <p:pic>
+                <p:nvPicPr>
+                  <p:cNvPr id="50" name="그림 49">
+                    <a:extLst>
+                      <a:ext uri="{FF2B5EF4-FFF2-40B4-BE49-F238E27FC236}">
+                        <a16:creationId xmlns:a16="http://schemas.microsoft.com/office/drawing/2014/main" id="{3B514EB9-5C69-499E-B6C1-BBEDF1768D70}"/>
+                      </a:ext>
+                    </a:extLst>
+                  </p:cNvPr>
+                  <p:cNvPicPr>
+                    <a:picLocks noChangeAspect="1"/>
+                  </p:cNvPicPr>
+                  <p:nvPr/>
+                </p:nvPicPr>
+                <p:blipFill rotWithShape="1">
+                  <a:blip r:embed="rId3">
+                    <a:duotone>
+                      <a:schemeClr val="bg2">
+                        <a:shade val="45000"/>
+                        <a:satMod val="135000"/>
+                      </a:schemeClr>
+                      <a:prstClr val="white"/>
+                    </a:duotone>
+                  </a:blip>
+                  <a:srcRect b="97512"/>
+                  <a:stretch/>
+                </p:blipFill>
+                <p:spPr>
+                  <a:xfrm>
+                    <a:off x="707103" y="1181167"/>
+                    <a:ext cx="1720800" cy="88292"/>
+                  </a:xfrm>
+                  <a:prstGeom prst="rect">
+                    <a:avLst/>
+                  </a:prstGeom>
+                  <a:ln>
+                    <a:noFill/>
+                  </a:ln>
+                </p:spPr>
+              </p:pic>
+              <p:pic>
+                <p:nvPicPr>
+                  <p:cNvPr id="51" name="그림 50">
+                    <a:extLst>
+                      <a:ext uri="{FF2B5EF4-FFF2-40B4-BE49-F238E27FC236}">
+                        <a16:creationId xmlns:a16="http://schemas.microsoft.com/office/drawing/2014/main" id="{68F6ED4F-E796-4262-8297-05BEB9A1AC49}"/>
+                      </a:ext>
+                    </a:extLst>
+                  </p:cNvPr>
+                  <p:cNvPicPr>
+                    <a:picLocks noChangeAspect="1"/>
+                  </p:cNvPicPr>
+                  <p:nvPr/>
+                </p:nvPicPr>
+                <p:blipFill rotWithShape="1">
+                  <a:blip r:embed="rId4">
+                    <a:duotone>
+                      <a:schemeClr val="bg2">
+                        <a:shade val="45000"/>
+                        <a:satMod val="135000"/>
+                      </a:schemeClr>
+                      <a:prstClr val="white"/>
+                    </a:duotone>
+                    <a:extLst>
+                      <a:ext uri="{BEBA8EAE-BF5A-486C-A8C5-ECC9F3942E4B}">
+                        <a14:imgProps xmlns:a14="http://schemas.microsoft.com/office/drawing/2010/main">
+                          <a14:imgLayer r:embed="rId5">
+                            <a14:imgEffect>
+                              <a14:brightnessContrast bright="29000"/>
+                            </a14:imgEffect>
+                          </a14:imgLayer>
+                        </a14:imgProps>
+                      </a:ext>
+                    </a:extLst>
+                  </a:blip>
+                  <a:srcRect l="27545" r="55019" b="97512"/>
+                  <a:stretch/>
+                </p:blipFill>
+                <p:spPr>
+                  <a:xfrm>
+                    <a:off x="823911" y="1181167"/>
+                    <a:ext cx="300039" cy="88292"/>
+                  </a:xfrm>
+                  <a:prstGeom prst="rect">
+                    <a:avLst/>
+                  </a:prstGeom>
+                  <a:ln>
+                    <a:noFill/>
+                  </a:ln>
+                </p:spPr>
+              </p:pic>
+            </p:grpSp>
+            <p:grpSp>
+              <p:nvGrpSpPr>
+                <p:cNvPr id="46" name="그룹 45">
+                  <a:extLst>
+                    <a:ext uri="{FF2B5EF4-FFF2-40B4-BE49-F238E27FC236}">
+                      <a16:creationId xmlns:a16="http://schemas.microsoft.com/office/drawing/2014/main" id="{74C0370D-6EC5-4948-8281-D95A40DF0F0D}"/>
+                    </a:ext>
+                  </a:extLst>
+                </p:cNvPr>
+                <p:cNvGrpSpPr/>
+                <p:nvPr/>
+              </p:nvGrpSpPr>
+              <p:grpSpPr>
+                <a:xfrm>
+                  <a:off x="3684428" y="1181167"/>
+                  <a:ext cx="1720800" cy="88292"/>
+                  <a:chOff x="707103" y="1181167"/>
+                  <a:chExt cx="1720800" cy="88292"/>
+                </a:xfrm>
+              </p:grpSpPr>
+              <p:pic>
+                <p:nvPicPr>
+                  <p:cNvPr id="48" name="그림 47">
+                    <a:extLst>
+                      <a:ext uri="{FF2B5EF4-FFF2-40B4-BE49-F238E27FC236}">
+                        <a16:creationId xmlns:a16="http://schemas.microsoft.com/office/drawing/2014/main" id="{427BDEA6-DA07-4901-811F-2AB8C421E51B}"/>
+                      </a:ext>
+                    </a:extLst>
+                  </p:cNvPr>
+                  <p:cNvPicPr>
+                    <a:picLocks noChangeAspect="1"/>
+                  </p:cNvPicPr>
+                  <p:nvPr/>
+                </p:nvPicPr>
+                <p:blipFill rotWithShape="1">
+                  <a:blip r:embed="rId3">
+                    <a:duotone>
+                      <a:schemeClr val="bg2">
+                        <a:shade val="45000"/>
+                        <a:satMod val="135000"/>
+                      </a:schemeClr>
+                      <a:prstClr val="white"/>
+                    </a:duotone>
+                  </a:blip>
+                  <a:srcRect b="97512"/>
+                  <a:stretch/>
+                </p:blipFill>
+                <p:spPr>
+                  <a:xfrm>
+                    <a:off x="707103" y="1181167"/>
+                    <a:ext cx="1720800" cy="88292"/>
+                  </a:xfrm>
+                  <a:prstGeom prst="rect">
+                    <a:avLst/>
+                  </a:prstGeom>
+                  <a:ln>
+                    <a:noFill/>
+                  </a:ln>
+                </p:spPr>
+              </p:pic>
+              <p:pic>
+                <p:nvPicPr>
+                  <p:cNvPr id="49" name="그림 48">
+                    <a:extLst>
+                      <a:ext uri="{FF2B5EF4-FFF2-40B4-BE49-F238E27FC236}">
+                        <a16:creationId xmlns:a16="http://schemas.microsoft.com/office/drawing/2014/main" id="{5773C925-F294-494B-B07D-679D3F9918A5}"/>
+                      </a:ext>
+                    </a:extLst>
+                  </p:cNvPr>
+                  <p:cNvPicPr>
+                    <a:picLocks noChangeAspect="1"/>
+                  </p:cNvPicPr>
+                  <p:nvPr/>
+                </p:nvPicPr>
+                <p:blipFill rotWithShape="1">
+                  <a:blip r:embed="rId4">
+                    <a:duotone>
+                      <a:schemeClr val="bg2">
+                        <a:shade val="45000"/>
+                        <a:satMod val="135000"/>
+                      </a:schemeClr>
+                      <a:prstClr val="white"/>
+                    </a:duotone>
+                    <a:extLst>
+                      <a:ext uri="{BEBA8EAE-BF5A-486C-A8C5-ECC9F3942E4B}">
+                        <a14:imgProps xmlns:a14="http://schemas.microsoft.com/office/drawing/2010/main">
+                          <a14:imgLayer r:embed="rId5">
+                            <a14:imgEffect>
+                              <a14:brightnessContrast bright="29000"/>
+                            </a14:imgEffect>
+                          </a14:imgLayer>
+                        </a14:imgProps>
+                      </a:ext>
+                    </a:extLst>
+                  </a:blip>
+                  <a:srcRect l="27545" r="55019" b="97512"/>
+                  <a:stretch/>
+                </p:blipFill>
+                <p:spPr>
+                  <a:xfrm>
+                    <a:off x="823911" y="1181167"/>
+                    <a:ext cx="300039" cy="88292"/>
+                  </a:xfrm>
+                  <a:prstGeom prst="rect">
+                    <a:avLst/>
+                  </a:prstGeom>
+                  <a:ln>
+                    <a:noFill/>
+                  </a:ln>
+                </p:spPr>
+              </p:pic>
+            </p:grpSp>
+            <p:sp>
+              <p:nvSpPr>
+                <p:cNvPr id="47" name="직사각형 46">
+                  <a:extLst>
+                    <a:ext uri="{FF2B5EF4-FFF2-40B4-BE49-F238E27FC236}">
+                      <a16:creationId xmlns:a16="http://schemas.microsoft.com/office/drawing/2014/main" id="{BAE20672-CD29-4D29-B560-9F5CD6049B38}"/>
+                    </a:ext>
+                  </a:extLst>
+                </p:cNvPr>
+                <p:cNvSpPr/>
+                <p:nvPr/>
+              </p:nvSpPr>
+              <p:spPr>
+                <a:xfrm>
+                  <a:off x="-1" y="4855010"/>
+                  <a:ext cx="6119813" cy="307777"/>
+                </a:xfrm>
+                <a:prstGeom prst="rect">
+                  <a:avLst/>
+                </a:prstGeom>
+                <a:ln>
+                  <a:noFill/>
+                </a:ln>
+                <a:effectLst>
+                  <a:glow>
+                    <a:srgbClr val="77BF6D"/>
+                  </a:glow>
+                  <a:reflection blurRad="12700" stA="96000" endPos="0" dir="5400000" sy="-100000" algn="bl" rotWithShape="0"/>
+                </a:effectLst>
+              </p:spPr>
+              <p:txBody>
+                <a:bodyPr wrap="square">
+                  <a:spAutoFit/>
+                </a:bodyPr>
+                <a:lstStyle/>
+                <a:p>
+                  <a:pPr algn="ctr"/>
+                  <a:r>
+                    <a:rPr lang="ko-KR" altLang="en-US" sz="1400" dirty="0">
+                      <a:solidFill>
+                        <a:schemeClr val="tx1">
+                          <a:lumMod val="85000"/>
+                          <a:lumOff val="15000"/>
+                        </a:schemeClr>
+                      </a:solidFill>
+                      <a:latin typeface="1훈새마을운동 R" panose="02020603020101020101" pitchFamily="18" charset="-127"/>
+                      <a:ea typeface="1훈새마을운동 R" panose="02020603020101020101" pitchFamily="18" charset="-127"/>
+                    </a:rPr>
+                    <a:t>이보다 손쉽게 단어를 정리할 수 있어</a:t>
+                  </a:r>
+                  <a:r>
+                    <a:rPr lang="en-US" altLang="ko-KR" sz="1400" dirty="0">
+                      <a:solidFill>
+                        <a:schemeClr val="tx1">
+                          <a:lumMod val="85000"/>
+                          <a:lumOff val="15000"/>
+                        </a:schemeClr>
+                      </a:solidFill>
+                      <a:latin typeface="1훈새마을운동 R" panose="02020603020101020101" pitchFamily="18" charset="-127"/>
+                      <a:ea typeface="1훈새마을운동 R" panose="02020603020101020101" pitchFamily="18" charset="-127"/>
+                    </a:rPr>
+                    <a:t>?</a:t>
+                  </a:r>
+                  <a:endParaRPr lang="ko-KR" altLang="en-US" sz="1400" dirty="0">
                     <a:solidFill>
                       <a:schemeClr val="tx1">
                         <a:lumMod val="85000"/>
@@ -3440,36 +5151,137 @@
                     </a:solidFill>
                     <a:latin typeface="1훈새마을운동 R" panose="02020603020101020101" pitchFamily="18" charset="-127"/>
                     <a:ea typeface="1훈새마을운동 R" panose="02020603020101020101" pitchFamily="18" charset="-127"/>
-                  </a:rPr>
-                  <a:t>＂이 시대에 공부도 효율적으로 </a:t>
-                </a:r>
-                <a:r>
-                  <a:rPr lang="ko-KR" altLang="en-US" sz="1400" dirty="0" err="1">
-                    <a:solidFill>
-                      <a:schemeClr val="tx1">
-                        <a:lumMod val="85000"/>
-                        <a:lumOff val="15000"/>
-                      </a:schemeClr>
-                    </a:solidFill>
-                    <a:latin typeface="1훈새마을운동 R" panose="02020603020101020101" pitchFamily="18" charset="-127"/>
-                    <a:ea typeface="1훈새마을운동 R" panose="02020603020101020101" pitchFamily="18" charset="-127"/>
-                  </a:rPr>
-                  <a:t>해야지</a:t>
-                </a:r>
-                <a:r>
-                  <a:rPr lang="en-US" altLang="ko-KR" sz="1400" dirty="0">
-                    <a:solidFill>
-                      <a:schemeClr val="tx1">
-                        <a:lumMod val="85000"/>
-                        <a:lumOff val="15000"/>
-                      </a:schemeClr>
-                    </a:solidFill>
-                    <a:latin typeface="1훈새마을운동 R" panose="02020603020101020101" pitchFamily="18" charset="-127"/>
-                    <a:ea typeface="1훈새마을운동 R" panose="02020603020101020101" pitchFamily="18" charset="-127"/>
-                  </a:rPr>
-                  <a:t>?”</a:t>
-                </a:r>
-                <a:endParaRPr lang="ko-KR" altLang="en-US" sz="1400" dirty="0">
+                  </a:endParaRPr>
+                </a:p>
+              </p:txBody>
+            </p:sp>
+          </p:grpSp>
+        </p:grpSp>
+        <p:sp>
+          <p:nvSpPr>
+            <p:cNvPr id="52" name="TextBox 1">
+              <a:extLst>
+                <a:ext uri="{FF2B5EF4-FFF2-40B4-BE49-F238E27FC236}">
+                  <a16:creationId xmlns:a16="http://schemas.microsoft.com/office/drawing/2014/main" id="{48BF53CC-B4B4-4985-B6C7-15DCCA8E832E}"/>
+                </a:ext>
+              </a:extLst>
+            </p:cNvPr>
+            <p:cNvSpPr txBox="1"/>
+            <p:nvPr/>
+          </p:nvSpPr>
+          <p:spPr>
+            <a:xfrm>
+              <a:off x="-25233" y="879061"/>
+              <a:ext cx="6170279" cy="707886"/>
+            </a:xfrm>
+            <a:prstGeom prst="rect">
+              <a:avLst/>
+            </a:prstGeom>
+            <a:noFill/>
+          </p:spPr>
+          <p:txBody>
+            <a:bodyPr wrap="none" rtlCol="0">
+              <a:spAutoFit/>
+            </a:bodyPr>
+            <a:lstStyle>
+              <a:defPPr>
+                <a:defRPr lang="en-US"/>
+              </a:defPPr>
+              <a:lvl1pPr marL="0" algn="l" defTabSz="457200" rtl="0" eaLnBrk="1" latinLnBrk="0" hangingPunct="1">
+                <a:defRPr sz="1800" kern="1200">
+                  <a:solidFill>
+                    <a:schemeClr val="tx1"/>
+                  </a:solidFill>
+                  <a:latin typeface="+mn-lt"/>
+                  <a:ea typeface="+mn-ea"/>
+                  <a:cs typeface="+mn-cs"/>
+                </a:defRPr>
+              </a:lvl1pPr>
+              <a:lvl2pPr marL="457200" algn="l" defTabSz="457200" rtl="0" eaLnBrk="1" latinLnBrk="0" hangingPunct="1">
+                <a:defRPr sz="1800" kern="1200">
+                  <a:solidFill>
+                    <a:schemeClr val="tx1"/>
+                  </a:solidFill>
+                  <a:latin typeface="+mn-lt"/>
+                  <a:ea typeface="+mn-ea"/>
+                  <a:cs typeface="+mn-cs"/>
+                </a:defRPr>
+              </a:lvl2pPr>
+              <a:lvl3pPr marL="914400" algn="l" defTabSz="457200" rtl="0" eaLnBrk="1" latinLnBrk="0" hangingPunct="1">
+                <a:defRPr sz="1800" kern="1200">
+                  <a:solidFill>
+                    <a:schemeClr val="tx1"/>
+                  </a:solidFill>
+                  <a:latin typeface="+mn-lt"/>
+                  <a:ea typeface="+mn-ea"/>
+                  <a:cs typeface="+mn-cs"/>
+                </a:defRPr>
+              </a:lvl3pPr>
+              <a:lvl4pPr marL="1371600" algn="l" defTabSz="457200" rtl="0" eaLnBrk="1" latinLnBrk="0" hangingPunct="1">
+                <a:defRPr sz="1800" kern="1200">
+                  <a:solidFill>
+                    <a:schemeClr val="tx1"/>
+                  </a:solidFill>
+                  <a:latin typeface="+mn-lt"/>
+                  <a:ea typeface="+mn-ea"/>
+                  <a:cs typeface="+mn-cs"/>
+                </a:defRPr>
+              </a:lvl4pPr>
+              <a:lvl5pPr marL="1828800" algn="l" defTabSz="457200" rtl="0" eaLnBrk="1" latinLnBrk="0" hangingPunct="1">
+                <a:defRPr sz="1800" kern="1200">
+                  <a:solidFill>
+                    <a:schemeClr val="tx1"/>
+                  </a:solidFill>
+                  <a:latin typeface="+mn-lt"/>
+                  <a:ea typeface="+mn-ea"/>
+                  <a:cs typeface="+mn-cs"/>
+                </a:defRPr>
+              </a:lvl5pPr>
+              <a:lvl6pPr marL="2286000" algn="l" defTabSz="457200" rtl="0" eaLnBrk="1" latinLnBrk="0" hangingPunct="1">
+                <a:defRPr sz="1800" kern="1200">
+                  <a:solidFill>
+                    <a:schemeClr val="tx1"/>
+                  </a:solidFill>
+                  <a:latin typeface="+mn-lt"/>
+                  <a:ea typeface="+mn-ea"/>
+                  <a:cs typeface="+mn-cs"/>
+                </a:defRPr>
+              </a:lvl6pPr>
+              <a:lvl7pPr marL="2743200" algn="l" defTabSz="457200" rtl="0" eaLnBrk="1" latinLnBrk="0" hangingPunct="1">
+                <a:defRPr sz="1800" kern="1200">
+                  <a:solidFill>
+                    <a:schemeClr val="tx1"/>
+                  </a:solidFill>
+                  <a:latin typeface="+mn-lt"/>
+                  <a:ea typeface="+mn-ea"/>
+                  <a:cs typeface="+mn-cs"/>
+                </a:defRPr>
+              </a:lvl7pPr>
+              <a:lvl8pPr marL="3200400" algn="l" defTabSz="457200" rtl="0" eaLnBrk="1" latinLnBrk="0" hangingPunct="1">
+                <a:defRPr sz="1800" kern="1200">
+                  <a:solidFill>
+                    <a:schemeClr val="tx1"/>
+                  </a:solidFill>
+                  <a:latin typeface="+mn-lt"/>
+                  <a:ea typeface="+mn-ea"/>
+                  <a:cs typeface="+mn-cs"/>
+                </a:defRPr>
+              </a:lvl8pPr>
+              <a:lvl9pPr marL="3657600" algn="l" defTabSz="457200" rtl="0" eaLnBrk="1" latinLnBrk="0" hangingPunct="1">
+                <a:defRPr sz="1800" kern="1200">
+                  <a:solidFill>
+                    <a:schemeClr val="tx1"/>
+                  </a:solidFill>
+                  <a:latin typeface="+mn-lt"/>
+                  <a:ea typeface="+mn-ea"/>
+                  <a:cs typeface="+mn-cs"/>
+                </a:defRPr>
+              </a:lvl9pPr>
+            </a:lstStyle>
+            <a:p>
+              <a:pPr algn="ctr"/>
+              <a:r>
+                <a:rPr lang="ko-KR" altLang="en-US" sz="3200" dirty="0">
                   <a:solidFill>
                     <a:schemeClr val="tx1">
                       <a:lumMod val="85000"/>
@@ -3478,308 +5290,11 @@
                   </a:solidFill>
                   <a:latin typeface="1훈새마을운동 R" panose="02020603020101020101" pitchFamily="18" charset="-127"/>
                   <a:ea typeface="1훈새마을운동 R" panose="02020603020101020101" pitchFamily="18" charset="-127"/>
-                </a:endParaRPr>
-              </a:p>
-            </p:txBody>
-          </p:sp>
-          <p:sp>
-            <p:nvSpPr>
-              <p:cNvPr id="12" name="TextBox 11">
-                <a:extLst>
-                  <a:ext uri="{FF2B5EF4-FFF2-40B4-BE49-F238E27FC236}">
-                    <a16:creationId xmlns:a16="http://schemas.microsoft.com/office/drawing/2014/main" id="{4528ECF1-99C0-4F86-B1BF-DF6D279FF4B2}"/>
-                  </a:ext>
-                </a:extLst>
-              </p:cNvPr>
-              <p:cNvSpPr txBox="1"/>
-              <p:nvPr/>
-            </p:nvSpPr>
-            <p:spPr>
-              <a:xfrm>
-                <a:off x="1243327" y="4039942"/>
-                <a:ext cx="647934" cy="200055"/>
-              </a:xfrm>
-              <a:prstGeom prst="rect">
-                <a:avLst/>
-              </a:prstGeom>
-              <a:noFill/>
-              <a:ln>
-                <a:noFill/>
-              </a:ln>
-            </p:spPr>
-            <p:txBody>
-              <a:bodyPr wrap="none" rtlCol="0">
-                <a:spAutoFit/>
-              </a:bodyPr>
-              <a:lstStyle/>
-              <a:p>
-                <a:r>
-                  <a:rPr lang="en-US" altLang="ko-KR" sz="700" dirty="0">
-                    <a:latin typeface="+mj-lt"/>
-                  </a:rPr>
-                  <a:t>Ver</a:t>
-                </a:r>
-                <a:r>
-                  <a:rPr lang="ko-KR" altLang="en-US" sz="700" dirty="0">
-                    <a:latin typeface="+mj-lt"/>
-                  </a:rPr>
-                  <a:t> </a:t>
-                </a:r>
-                <a:r>
-                  <a:rPr lang="en-US" altLang="ko-KR" sz="700" dirty="0">
-                    <a:latin typeface="+mj-lt"/>
-                  </a:rPr>
-                  <a:t>19.10.29</a:t>
-                </a:r>
-                <a:endParaRPr lang="ko-KR" altLang="en-US" sz="700" dirty="0">
-                  <a:latin typeface="+mj-lt"/>
-                </a:endParaRPr>
-              </a:p>
-            </p:txBody>
-          </p:sp>
-        </p:grpSp>
-        <p:grpSp>
-          <p:nvGrpSpPr>
-            <p:cNvPr id="15" name="그룹 14">
-              <a:extLst>
-                <a:ext uri="{FF2B5EF4-FFF2-40B4-BE49-F238E27FC236}">
-                  <a16:creationId xmlns:a16="http://schemas.microsoft.com/office/drawing/2014/main" id="{7A110821-A900-4BC7-9192-AA7FCC5ADCF0}"/>
-                </a:ext>
-              </a:extLst>
-            </p:cNvPr>
-            <p:cNvGrpSpPr/>
-            <p:nvPr/>
-          </p:nvGrpSpPr>
-          <p:grpSpPr>
-            <a:xfrm>
-              <a:off x="-1589" y="5059071"/>
-              <a:ext cx="6119813" cy="5398009"/>
-              <a:chOff x="0" y="2666"/>
-              <a:chExt cx="6119813" cy="5398009"/>
-            </a:xfrm>
-          </p:grpSpPr>
-          <p:sp>
-            <p:nvSpPr>
-              <p:cNvPr id="16" name="직사각형 15">
-                <a:extLst>
-                  <a:ext uri="{FF2B5EF4-FFF2-40B4-BE49-F238E27FC236}">
-                    <a16:creationId xmlns:a16="http://schemas.microsoft.com/office/drawing/2014/main" id="{D5007E64-37D8-4FEC-A949-8D316783E4BA}"/>
-                  </a:ext>
-                </a:extLst>
-              </p:cNvPr>
-              <p:cNvSpPr/>
-              <p:nvPr/>
-            </p:nvSpPr>
-            <p:spPr>
-              <a:xfrm>
-                <a:off x="0" y="2666"/>
-                <a:ext cx="6119018" cy="5398009"/>
-              </a:xfrm>
-              <a:prstGeom prst="rect">
-                <a:avLst/>
-              </a:prstGeom>
-              <a:solidFill>
-                <a:schemeClr val="bg1"/>
-              </a:solidFill>
-              <a:ln>
-                <a:noFill/>
-              </a:ln>
-            </p:spPr>
-            <p:style>
-              <a:lnRef idx="2">
-                <a:schemeClr val="accent1">
-                  <a:shade val="50000"/>
-                </a:schemeClr>
-              </a:lnRef>
-              <a:fillRef idx="1">
-                <a:schemeClr val="accent1"/>
-              </a:fillRef>
-              <a:effectRef idx="0">
-                <a:schemeClr val="accent1"/>
-              </a:effectRef>
-              <a:fontRef idx="minor">
-                <a:schemeClr val="lt1"/>
-              </a:fontRef>
-            </p:style>
-            <p:txBody>
-              <a:bodyPr rtlCol="0" anchor="ctr"/>
-              <a:lstStyle/>
-              <a:p>
-                <a:pPr algn="ctr"/>
-                <a:endParaRPr lang="ko-KR" altLang="en-US"/>
-              </a:p>
-            </p:txBody>
-          </p:sp>
-          <p:pic>
-            <p:nvPicPr>
-              <p:cNvPr id="17" name="Picture 4" descr="아이폰 6 테두리 사진에 대한 이미지 검색결과">
-                <a:extLst>
-                  <a:ext uri="{FF2B5EF4-FFF2-40B4-BE49-F238E27FC236}">
-                    <a16:creationId xmlns:a16="http://schemas.microsoft.com/office/drawing/2014/main" id="{7BDF4DEC-7E0A-4A63-82F4-1F8DDDF7BC74}"/>
-                  </a:ext>
-                </a:extLst>
-              </p:cNvPr>
-              <p:cNvPicPr>
-                <a:picLocks noChangeAspect="1" noChangeArrowheads="1"/>
-              </p:cNvPicPr>
-              <p:nvPr/>
-            </p:nvPicPr>
-            <p:blipFill rotWithShape="1">
-              <a:blip r:embed="rId2">
-                <a:extLst>
-                  <a:ext uri="{28A0092B-C50C-407E-A947-70E740481C1C}">
-                    <a14:useLocalDpi xmlns:a14="http://schemas.microsoft.com/office/drawing/2010/main" val="0"/>
-                  </a:ext>
-                </a:extLst>
-              </a:blip>
-              <a:srcRect r="64608"/>
-              <a:stretch/>
-            </p:blipFill>
-            <p:spPr bwMode="auto">
-              <a:xfrm>
-                <a:off x="423381" y="542924"/>
-                <a:ext cx="2295726" cy="4314826"/>
-              </a:xfrm>
-              <a:prstGeom prst="rect">
-                <a:avLst/>
-              </a:prstGeom>
-              <a:noFill/>
-              <a:ln>
-                <a:noFill/>
-              </a:ln>
-              <a:extLst>
-                <a:ext uri="{909E8E84-426E-40DD-AFC4-6F175D3DCCD1}">
-                  <a14:hiddenFill xmlns:a14="http://schemas.microsoft.com/office/drawing/2010/main">
-                    <a:solidFill>
-                      <a:srgbClr val="FFFFFF"/>
-                    </a:solidFill>
-                  </a14:hiddenFill>
-                </a:ext>
-              </a:extLst>
-            </p:spPr>
-          </p:pic>
-          <p:pic>
-            <p:nvPicPr>
-              <p:cNvPr id="18" name="그림 17">
-                <a:extLst>
-                  <a:ext uri="{FF2B5EF4-FFF2-40B4-BE49-F238E27FC236}">
-                    <a16:creationId xmlns:a16="http://schemas.microsoft.com/office/drawing/2014/main" id="{AED77174-7132-4496-AC9A-C775146E581D}"/>
-                  </a:ext>
-                </a:extLst>
-              </p:cNvPr>
-              <p:cNvPicPr>
-                <a:picLocks noChangeAspect="1"/>
-              </p:cNvPicPr>
-              <p:nvPr/>
-            </p:nvPicPr>
-            <p:blipFill rotWithShape="1">
-              <a:blip r:embed="rId6"/>
-              <a:srcRect l="33931" r="33803"/>
-              <a:stretch/>
-            </p:blipFill>
-            <p:spPr>
-              <a:xfrm>
-                <a:off x="713451" y="1275625"/>
-                <a:ext cx="1709430" cy="2970530"/>
-              </a:xfrm>
-              <a:prstGeom prst="rect">
-                <a:avLst/>
-              </a:prstGeom>
-              <a:ln>
-                <a:noFill/>
-              </a:ln>
-            </p:spPr>
-          </p:pic>
-          <p:sp>
-            <p:nvSpPr>
-              <p:cNvPr id="19" name="직사각형 18">
-                <a:extLst>
-                  <a:ext uri="{FF2B5EF4-FFF2-40B4-BE49-F238E27FC236}">
-                    <a16:creationId xmlns:a16="http://schemas.microsoft.com/office/drawing/2014/main" id="{4ACA19F9-1350-4B0D-8283-04C6DF8F8AB2}"/>
-                  </a:ext>
-                </a:extLst>
-              </p:cNvPr>
-              <p:cNvSpPr/>
-              <p:nvPr/>
-            </p:nvSpPr>
-            <p:spPr>
-              <a:xfrm>
-                <a:off x="3060701" y="2438728"/>
-                <a:ext cx="3059112" cy="523220"/>
-              </a:xfrm>
-              <a:prstGeom prst="rect">
-                <a:avLst/>
-              </a:prstGeom>
-              <a:ln>
-                <a:noFill/>
-              </a:ln>
-              <a:effectLst>
-                <a:glow>
-                  <a:srgbClr val="77BF6D"/>
-                </a:glow>
-                <a:reflection blurRad="12700" stA="96000" endPos="0" dir="5400000" sy="-100000" algn="bl" rotWithShape="0"/>
-              </a:effectLst>
-            </p:spPr>
-            <p:txBody>
-              <a:bodyPr wrap="square">
-                <a:spAutoFit/>
-              </a:bodyPr>
-              <a:lstStyle/>
-              <a:p>
-                <a:pPr algn="ctr"/>
-                <a:r>
-                  <a:rPr lang="ko-KR" altLang="en-US" sz="1400" dirty="0">
-                    <a:solidFill>
-                      <a:schemeClr val="tx1">
-                        <a:lumMod val="85000"/>
-                        <a:lumOff val="15000"/>
-                      </a:schemeClr>
-                    </a:solidFill>
-                    <a:latin typeface="1훈새마을운동 R" panose="02020603020101020101" pitchFamily="18" charset="-127"/>
-                    <a:ea typeface="1훈새마을운동 R" panose="02020603020101020101" pitchFamily="18" charset="-127"/>
-                  </a:rPr>
-                  <a:t>일일이 영어단어를 정리하면서 검색하지 마세요</a:t>
-                </a:r>
-                <a:r>
-                  <a:rPr lang="en-US" altLang="ko-KR" sz="1400" dirty="0">
-                    <a:solidFill>
-                      <a:schemeClr val="tx1">
-                        <a:lumMod val="85000"/>
-                        <a:lumOff val="15000"/>
-                      </a:schemeClr>
-                    </a:solidFill>
-                    <a:latin typeface="1훈새마을운동 R" panose="02020603020101020101" pitchFamily="18" charset="-127"/>
-                    <a:ea typeface="1훈새마을운동 R" panose="02020603020101020101" pitchFamily="18" charset="-127"/>
-                  </a:rPr>
-                  <a:t>! </a:t>
-                </a:r>
-                <a:r>
-                  <a:rPr lang="ko-KR" altLang="en-US" sz="1400" dirty="0">
-                    <a:solidFill>
-                      <a:schemeClr val="tx1">
-                        <a:lumMod val="85000"/>
-                        <a:lumOff val="15000"/>
-                      </a:schemeClr>
-                    </a:solidFill>
-                    <a:latin typeface="1훈새마을운동 R" panose="02020603020101020101" pitchFamily="18" charset="-127"/>
-                    <a:ea typeface="1훈새마을운동 R" panose="02020603020101020101" pitchFamily="18" charset="-127"/>
-                  </a:rPr>
-                  <a:t>시간낭비 입니다</a:t>
-                </a:r>
-                <a:r>
-                  <a:rPr lang="en-US" altLang="ko-KR" sz="1400" dirty="0">
-                    <a:solidFill>
-                      <a:schemeClr val="tx1">
-                        <a:lumMod val="85000"/>
-                        <a:lumOff val="15000"/>
-                      </a:schemeClr>
-                    </a:solidFill>
-                    <a:latin typeface="1훈새마을운동 R" panose="02020603020101020101" pitchFamily="18" charset="-127"/>
-                    <a:ea typeface="1훈새마을운동 R" panose="02020603020101020101" pitchFamily="18" charset="-127"/>
-                  </a:rPr>
-                  <a:t>!</a:t>
-                </a:r>
-                <a:endParaRPr lang="ko-KR" altLang="en-US" sz="1400" dirty="0">
+                </a:rPr>
+                <a:t>안녕</a:t>
+              </a:r>
+              <a:r>
+                <a:rPr lang="en-US" altLang="ko-KR" sz="3200" dirty="0">
                   <a:solidFill>
                     <a:schemeClr val="tx1">
                       <a:lumMod val="85000"/>
@@ -3788,696 +5303,11 @@
                   </a:solidFill>
                   <a:latin typeface="1훈새마을운동 R" panose="02020603020101020101" pitchFamily="18" charset="-127"/>
                   <a:ea typeface="1훈새마을운동 R" panose="02020603020101020101" pitchFamily="18" charset="-127"/>
-                </a:endParaRPr>
-              </a:p>
-            </p:txBody>
-          </p:sp>
-          <p:grpSp>
-            <p:nvGrpSpPr>
-              <p:cNvPr id="20" name="그룹 19">
-                <a:extLst>
-                  <a:ext uri="{FF2B5EF4-FFF2-40B4-BE49-F238E27FC236}">
-                    <a16:creationId xmlns:a16="http://schemas.microsoft.com/office/drawing/2014/main" id="{4DDEE75F-E3D3-47E2-918F-4AB893AC8505}"/>
-                  </a:ext>
-                </a:extLst>
-              </p:cNvPr>
-              <p:cNvGrpSpPr/>
-              <p:nvPr/>
-            </p:nvGrpSpPr>
-            <p:grpSpPr>
-              <a:xfrm>
-                <a:off x="707103" y="1181167"/>
-                <a:ext cx="1720800" cy="88292"/>
-                <a:chOff x="707103" y="1181167"/>
-                <a:chExt cx="1720800" cy="88292"/>
-              </a:xfrm>
-            </p:grpSpPr>
-            <p:pic>
-              <p:nvPicPr>
-                <p:cNvPr id="21" name="그림 20">
-                  <a:extLst>
-                    <a:ext uri="{FF2B5EF4-FFF2-40B4-BE49-F238E27FC236}">
-                      <a16:creationId xmlns:a16="http://schemas.microsoft.com/office/drawing/2014/main" id="{6159EF2C-A47A-4C52-A58C-ED15DA5E245F}"/>
-                    </a:ext>
-                  </a:extLst>
-                </p:cNvPr>
-                <p:cNvPicPr>
-                  <a:picLocks noChangeAspect="1"/>
-                </p:cNvPicPr>
-                <p:nvPr/>
-              </p:nvPicPr>
-              <p:blipFill rotWithShape="1">
-                <a:blip r:embed="rId3">
-                  <a:duotone>
-                    <a:schemeClr val="bg2">
-                      <a:shade val="45000"/>
-                      <a:satMod val="135000"/>
-                    </a:schemeClr>
-                    <a:prstClr val="white"/>
-                  </a:duotone>
-                </a:blip>
-                <a:srcRect b="97512"/>
-                <a:stretch/>
-              </p:blipFill>
-              <p:spPr>
-                <a:xfrm>
-                  <a:off x="707103" y="1181167"/>
-                  <a:ext cx="1720800" cy="88292"/>
-                </a:xfrm>
-                <a:prstGeom prst="rect">
-                  <a:avLst/>
-                </a:prstGeom>
-                <a:ln>
-                  <a:noFill/>
-                </a:ln>
-              </p:spPr>
-            </p:pic>
-            <p:pic>
-              <p:nvPicPr>
-                <p:cNvPr id="22" name="그림 21">
-                  <a:extLst>
-                    <a:ext uri="{FF2B5EF4-FFF2-40B4-BE49-F238E27FC236}">
-                      <a16:creationId xmlns:a16="http://schemas.microsoft.com/office/drawing/2014/main" id="{56ECC941-5BB6-4E27-84C4-A301FE37C879}"/>
-                    </a:ext>
-                  </a:extLst>
-                </p:cNvPr>
-                <p:cNvPicPr>
-                  <a:picLocks noChangeAspect="1"/>
-                </p:cNvPicPr>
-                <p:nvPr/>
-              </p:nvPicPr>
-              <p:blipFill rotWithShape="1">
-                <a:blip r:embed="rId4">
-                  <a:duotone>
-                    <a:schemeClr val="bg2">
-                      <a:shade val="45000"/>
-                      <a:satMod val="135000"/>
-                    </a:schemeClr>
-                    <a:prstClr val="white"/>
-                  </a:duotone>
-                  <a:extLst>
-                    <a:ext uri="{BEBA8EAE-BF5A-486C-A8C5-ECC9F3942E4B}">
-                      <a14:imgProps xmlns:a14="http://schemas.microsoft.com/office/drawing/2010/main">
-                        <a14:imgLayer r:embed="rId5">
-                          <a14:imgEffect>
-                            <a14:brightnessContrast bright="29000"/>
-                          </a14:imgEffect>
-                        </a14:imgLayer>
-                      </a14:imgProps>
-                    </a:ext>
-                  </a:extLst>
-                </a:blip>
-                <a:srcRect l="27545" r="55019" b="97512"/>
-                <a:stretch/>
-              </p:blipFill>
-              <p:spPr>
-                <a:xfrm>
-                  <a:off x="823911" y="1181167"/>
-                  <a:ext cx="300039" cy="88292"/>
-                </a:xfrm>
-                <a:prstGeom prst="rect">
-                  <a:avLst/>
-                </a:prstGeom>
-                <a:ln>
-                  <a:noFill/>
-                </a:ln>
-              </p:spPr>
-            </p:pic>
-          </p:grpSp>
-        </p:grpSp>
-        <p:grpSp>
-          <p:nvGrpSpPr>
-            <p:cNvPr id="23" name="그룹 22">
-              <a:extLst>
-                <a:ext uri="{FF2B5EF4-FFF2-40B4-BE49-F238E27FC236}">
-                  <a16:creationId xmlns:a16="http://schemas.microsoft.com/office/drawing/2014/main" id="{FFAD2875-C1D8-4F91-9963-73685CE45D9B}"/>
-                </a:ext>
-              </a:extLst>
-            </p:cNvPr>
-            <p:cNvGrpSpPr/>
-            <p:nvPr/>
-          </p:nvGrpSpPr>
-          <p:grpSpPr>
-            <a:xfrm>
-              <a:off x="-1589" y="10106687"/>
-              <a:ext cx="6119812" cy="5398009"/>
-              <a:chOff x="0" y="2666"/>
-              <a:chExt cx="6119812" cy="5398009"/>
-            </a:xfrm>
-          </p:grpSpPr>
-          <p:sp>
-            <p:nvSpPr>
-              <p:cNvPr id="24" name="직사각형 23">
-                <a:extLst>
-                  <a:ext uri="{FF2B5EF4-FFF2-40B4-BE49-F238E27FC236}">
-                    <a16:creationId xmlns:a16="http://schemas.microsoft.com/office/drawing/2014/main" id="{E5C7CF80-81C8-48E7-A217-90F83C4D4FD7}"/>
-                  </a:ext>
-                </a:extLst>
-              </p:cNvPr>
-              <p:cNvSpPr/>
-              <p:nvPr/>
-            </p:nvSpPr>
-            <p:spPr>
-              <a:xfrm>
-                <a:off x="0" y="2666"/>
-                <a:ext cx="6119018" cy="5398009"/>
-              </a:xfrm>
-              <a:prstGeom prst="rect">
-                <a:avLst/>
-              </a:prstGeom>
-              <a:solidFill>
-                <a:schemeClr val="bg1"/>
-              </a:solidFill>
-              <a:ln>
-                <a:noFill/>
-              </a:ln>
-            </p:spPr>
-            <p:style>
-              <a:lnRef idx="2">
-                <a:schemeClr val="accent1">
-                  <a:shade val="50000"/>
-                </a:schemeClr>
-              </a:lnRef>
-              <a:fillRef idx="1">
-                <a:schemeClr val="accent1"/>
-              </a:fillRef>
-              <a:effectRef idx="0">
-                <a:schemeClr val="accent1"/>
-              </a:effectRef>
-              <a:fontRef idx="minor">
-                <a:schemeClr val="lt1"/>
-              </a:fontRef>
-            </p:style>
-            <p:txBody>
-              <a:bodyPr rtlCol="0" anchor="ctr"/>
-              <a:lstStyle/>
-              <a:p>
-                <a:pPr algn="ctr"/>
-                <a:endParaRPr lang="ko-KR" altLang="en-US"/>
-              </a:p>
-            </p:txBody>
-          </p:sp>
-          <p:pic>
-            <p:nvPicPr>
-              <p:cNvPr id="25" name="Picture 4" descr="아이폰 6 테두리 사진에 대한 이미지 검색결과">
-                <a:extLst>
-                  <a:ext uri="{FF2B5EF4-FFF2-40B4-BE49-F238E27FC236}">
-                    <a16:creationId xmlns:a16="http://schemas.microsoft.com/office/drawing/2014/main" id="{4E09C771-3159-4CDC-A420-D62F43395891}"/>
-                  </a:ext>
-                </a:extLst>
-              </p:cNvPr>
-              <p:cNvPicPr>
-                <a:picLocks noChangeAspect="1" noChangeArrowheads="1"/>
-              </p:cNvPicPr>
-              <p:nvPr/>
-            </p:nvPicPr>
-            <p:blipFill rotWithShape="1">
-              <a:blip r:embed="rId2">
-                <a:extLst>
-                  <a:ext uri="{28A0092B-C50C-407E-A947-70E740481C1C}">
-                    <a14:useLocalDpi xmlns:a14="http://schemas.microsoft.com/office/drawing/2010/main" val="0"/>
-                  </a:ext>
-                </a:extLst>
-              </a:blip>
-              <a:srcRect r="64608"/>
-              <a:stretch/>
-            </p:blipFill>
-            <p:spPr bwMode="auto">
-              <a:xfrm>
-                <a:off x="423381" y="542924"/>
-                <a:ext cx="2295726" cy="4314826"/>
-              </a:xfrm>
-              <a:prstGeom prst="rect">
-                <a:avLst/>
-              </a:prstGeom>
-              <a:noFill/>
-              <a:ln>
-                <a:noFill/>
-              </a:ln>
-              <a:extLst>
-                <a:ext uri="{909E8E84-426E-40DD-AFC4-6F175D3DCCD1}">
-                  <a14:hiddenFill xmlns:a14="http://schemas.microsoft.com/office/drawing/2010/main">
-                    <a:solidFill>
-                      <a:srgbClr val="FFFFFF"/>
-                    </a:solidFill>
-                  </a14:hiddenFill>
-                </a:ext>
-              </a:extLst>
-            </p:spPr>
-          </p:pic>
-          <p:sp>
-            <p:nvSpPr>
-              <p:cNvPr id="26" name="직사각형 25">
-                <a:extLst>
-                  <a:ext uri="{FF2B5EF4-FFF2-40B4-BE49-F238E27FC236}">
-                    <a16:creationId xmlns:a16="http://schemas.microsoft.com/office/drawing/2014/main" id="{DC901088-43B7-4011-8027-3C19DF391ED1}"/>
-                  </a:ext>
-                </a:extLst>
-              </p:cNvPr>
-              <p:cNvSpPr/>
-              <p:nvPr/>
-            </p:nvSpPr>
-            <p:spPr>
-              <a:xfrm>
-                <a:off x="3060700" y="2438727"/>
-                <a:ext cx="3059112" cy="523220"/>
-              </a:xfrm>
-              <a:prstGeom prst="rect">
-                <a:avLst/>
-              </a:prstGeom>
-              <a:ln>
-                <a:noFill/>
-              </a:ln>
-            </p:spPr>
-            <p:txBody>
-              <a:bodyPr wrap="square">
-                <a:spAutoFit/>
-              </a:bodyPr>
-              <a:lstStyle/>
-              <a:p>
-                <a:pPr algn="ctr"/>
-                <a:r>
-                  <a:rPr lang="ko-KR" altLang="en-US" sz="1400" dirty="0">
-                    <a:latin typeface="1훈새마을운동 R" panose="02020603020101020101" pitchFamily="18" charset="-127"/>
-                    <a:ea typeface="1훈새마을운동 R" panose="02020603020101020101" pitchFamily="18" charset="-127"/>
-                  </a:rPr>
-                  <a:t>단지 복사만 하면 단어 리스트가 완성됩니다</a:t>
-                </a:r>
-                <a:r>
-                  <a:rPr lang="en-US" altLang="ko-KR" sz="1400" dirty="0">
-                    <a:latin typeface="1훈새마을운동 R" panose="02020603020101020101" pitchFamily="18" charset="-127"/>
-                    <a:ea typeface="1훈새마을운동 R" panose="02020603020101020101" pitchFamily="18" charset="-127"/>
-                  </a:rPr>
-                  <a:t>.</a:t>
-                </a:r>
-              </a:p>
-              <a:p>
-                <a:pPr algn="ctr"/>
-                <a:r>
-                  <a:rPr lang="ko-KR" altLang="en-US" sz="1400" dirty="0">
-                    <a:latin typeface="1훈새마을운동 R" panose="02020603020101020101" pitchFamily="18" charset="-127"/>
-                    <a:ea typeface="1훈새마을운동 R" panose="02020603020101020101" pitchFamily="18" charset="-127"/>
-                  </a:rPr>
-                  <a:t>아침 출근길에 외우면 좋겠죠</a:t>
-                </a:r>
-                <a:r>
-                  <a:rPr lang="en-US" altLang="ko-KR" sz="1400" dirty="0">
-                    <a:latin typeface="1훈새마을운동 R" panose="02020603020101020101" pitchFamily="18" charset="-127"/>
-                    <a:ea typeface="1훈새마을운동 R" panose="02020603020101020101" pitchFamily="18" charset="-127"/>
-                  </a:rPr>
-                  <a:t>?</a:t>
-                </a:r>
-                <a:endParaRPr lang="ko-KR" altLang="en-US" sz="1400" dirty="0">
-                  <a:latin typeface="1훈새마을운동 R" panose="02020603020101020101" pitchFamily="18" charset="-127"/>
-                  <a:ea typeface="1훈새마을운동 R" panose="02020603020101020101" pitchFamily="18" charset="-127"/>
-                </a:endParaRPr>
-              </a:p>
-            </p:txBody>
-          </p:sp>
-          <p:pic>
-            <p:nvPicPr>
-              <p:cNvPr id="27" name="그림 26">
-                <a:extLst>
-                  <a:ext uri="{FF2B5EF4-FFF2-40B4-BE49-F238E27FC236}">
-                    <a16:creationId xmlns:a16="http://schemas.microsoft.com/office/drawing/2014/main" id="{206D2346-3E0E-4020-812B-865B1CA4D3C8}"/>
-                  </a:ext>
-                </a:extLst>
-              </p:cNvPr>
-              <p:cNvPicPr>
-                <a:picLocks noChangeAspect="1"/>
-              </p:cNvPicPr>
-              <p:nvPr/>
-            </p:nvPicPr>
-            <p:blipFill rotWithShape="1">
-              <a:blip r:embed="rId7"/>
-              <a:srcRect l="33822" r="33924"/>
-              <a:stretch/>
-            </p:blipFill>
-            <p:spPr>
-              <a:xfrm>
-                <a:off x="711718" y="1276151"/>
-                <a:ext cx="1709430" cy="2970530"/>
-              </a:xfrm>
-              <a:prstGeom prst="rect">
-                <a:avLst/>
-              </a:prstGeom>
-              <a:ln>
-                <a:noFill/>
-              </a:ln>
-            </p:spPr>
-          </p:pic>
-          <p:grpSp>
-            <p:nvGrpSpPr>
-              <p:cNvPr id="28" name="그룹 27">
-                <a:extLst>
-                  <a:ext uri="{FF2B5EF4-FFF2-40B4-BE49-F238E27FC236}">
-                    <a16:creationId xmlns:a16="http://schemas.microsoft.com/office/drawing/2014/main" id="{42E760C7-EB62-48D2-B3F4-C311C19DE2D9}"/>
-                  </a:ext>
-                </a:extLst>
-              </p:cNvPr>
-              <p:cNvGrpSpPr/>
-              <p:nvPr/>
-            </p:nvGrpSpPr>
-            <p:grpSpPr>
-              <a:xfrm>
-                <a:off x="707103" y="1181167"/>
-                <a:ext cx="1720800" cy="88292"/>
-                <a:chOff x="707103" y="1181167"/>
-                <a:chExt cx="1720800" cy="88292"/>
-              </a:xfrm>
-            </p:grpSpPr>
-            <p:pic>
-              <p:nvPicPr>
-                <p:cNvPr id="29" name="그림 28">
-                  <a:extLst>
-                    <a:ext uri="{FF2B5EF4-FFF2-40B4-BE49-F238E27FC236}">
-                      <a16:creationId xmlns:a16="http://schemas.microsoft.com/office/drawing/2014/main" id="{46B16CAC-04EF-4758-B1E9-3E6933CE4C4C}"/>
-                    </a:ext>
-                  </a:extLst>
-                </p:cNvPr>
-                <p:cNvPicPr>
-                  <a:picLocks noChangeAspect="1"/>
-                </p:cNvPicPr>
-                <p:nvPr/>
-              </p:nvPicPr>
-              <p:blipFill rotWithShape="1">
-                <a:blip r:embed="rId3">
-                  <a:duotone>
-                    <a:schemeClr val="bg2">
-                      <a:shade val="45000"/>
-                      <a:satMod val="135000"/>
-                    </a:schemeClr>
-                    <a:prstClr val="white"/>
-                  </a:duotone>
-                </a:blip>
-                <a:srcRect b="97512"/>
-                <a:stretch/>
-              </p:blipFill>
-              <p:spPr>
-                <a:xfrm>
-                  <a:off x="707103" y="1181167"/>
-                  <a:ext cx="1720800" cy="88292"/>
-                </a:xfrm>
-                <a:prstGeom prst="rect">
-                  <a:avLst/>
-                </a:prstGeom>
-                <a:ln>
-                  <a:noFill/>
-                </a:ln>
-              </p:spPr>
-            </p:pic>
-            <p:pic>
-              <p:nvPicPr>
-                <p:cNvPr id="30" name="그림 29">
-                  <a:extLst>
-                    <a:ext uri="{FF2B5EF4-FFF2-40B4-BE49-F238E27FC236}">
-                      <a16:creationId xmlns:a16="http://schemas.microsoft.com/office/drawing/2014/main" id="{FB9A2E03-2276-4F85-9C61-99DCF935B74D}"/>
-                    </a:ext>
-                  </a:extLst>
-                </p:cNvPr>
-                <p:cNvPicPr>
-                  <a:picLocks noChangeAspect="1"/>
-                </p:cNvPicPr>
-                <p:nvPr/>
-              </p:nvPicPr>
-              <p:blipFill rotWithShape="1">
-                <a:blip r:embed="rId4">
-                  <a:duotone>
-                    <a:schemeClr val="bg2">
-                      <a:shade val="45000"/>
-                      <a:satMod val="135000"/>
-                    </a:schemeClr>
-                    <a:prstClr val="white"/>
-                  </a:duotone>
-                  <a:extLst>
-                    <a:ext uri="{BEBA8EAE-BF5A-486C-A8C5-ECC9F3942E4B}">
-                      <a14:imgProps xmlns:a14="http://schemas.microsoft.com/office/drawing/2010/main">
-                        <a14:imgLayer r:embed="rId5">
-                          <a14:imgEffect>
-                            <a14:brightnessContrast bright="29000"/>
-                          </a14:imgEffect>
-                        </a14:imgLayer>
-                      </a14:imgProps>
-                    </a:ext>
-                  </a:extLst>
-                </a:blip>
-                <a:srcRect l="27545" r="55019" b="97512"/>
-                <a:stretch/>
-              </p:blipFill>
-              <p:spPr>
-                <a:xfrm>
-                  <a:off x="823911" y="1181167"/>
-                  <a:ext cx="300039" cy="88292"/>
-                </a:xfrm>
-                <a:prstGeom prst="rect">
-                  <a:avLst/>
-                </a:prstGeom>
-                <a:ln>
-                  <a:noFill/>
-                </a:ln>
-              </p:spPr>
-            </p:pic>
-          </p:grpSp>
-        </p:grpSp>
-        <p:grpSp>
-          <p:nvGrpSpPr>
-            <p:cNvPr id="31" name="그룹 30">
-              <a:extLst>
-                <a:ext uri="{FF2B5EF4-FFF2-40B4-BE49-F238E27FC236}">
-                  <a16:creationId xmlns:a16="http://schemas.microsoft.com/office/drawing/2014/main" id="{D598282C-DC6D-4D26-94AE-8F906E8D147F}"/>
-                </a:ext>
-              </a:extLst>
-            </p:cNvPr>
-            <p:cNvGrpSpPr/>
-            <p:nvPr/>
-          </p:nvGrpSpPr>
-          <p:grpSpPr>
-            <a:xfrm>
-              <a:off x="794" y="15125753"/>
-              <a:ext cx="6119812" cy="5398009"/>
-              <a:chOff x="0" y="2666"/>
-              <a:chExt cx="6119812" cy="5398009"/>
-            </a:xfrm>
-          </p:grpSpPr>
-          <p:sp>
-            <p:nvSpPr>
-              <p:cNvPr id="32" name="직사각형 31">
-                <a:extLst>
-                  <a:ext uri="{FF2B5EF4-FFF2-40B4-BE49-F238E27FC236}">
-                    <a16:creationId xmlns:a16="http://schemas.microsoft.com/office/drawing/2014/main" id="{7B51DE51-C1A7-45FA-A526-A28153D8B1F9}"/>
-                  </a:ext>
-                </a:extLst>
-              </p:cNvPr>
-              <p:cNvSpPr/>
-              <p:nvPr/>
-            </p:nvSpPr>
-            <p:spPr>
-              <a:xfrm>
-                <a:off x="0" y="2666"/>
-                <a:ext cx="6119018" cy="5398009"/>
-              </a:xfrm>
-              <a:prstGeom prst="rect">
-                <a:avLst/>
-              </a:prstGeom>
-              <a:solidFill>
-                <a:schemeClr val="bg1"/>
-              </a:solidFill>
-              <a:ln>
-                <a:noFill/>
-              </a:ln>
-            </p:spPr>
-            <p:style>
-              <a:lnRef idx="2">
-                <a:schemeClr val="accent1">
-                  <a:shade val="50000"/>
-                </a:schemeClr>
-              </a:lnRef>
-              <a:fillRef idx="1">
-                <a:schemeClr val="accent1"/>
-              </a:fillRef>
-              <a:effectRef idx="0">
-                <a:schemeClr val="accent1"/>
-              </a:effectRef>
-              <a:fontRef idx="minor">
-                <a:schemeClr val="lt1"/>
-              </a:fontRef>
-            </p:style>
-            <p:txBody>
-              <a:bodyPr rtlCol="0" anchor="ctr"/>
-              <a:lstStyle/>
-              <a:p>
-                <a:pPr algn="ctr"/>
-                <a:endParaRPr lang="ko-KR" altLang="en-US" dirty="0"/>
-              </a:p>
-            </p:txBody>
-          </p:sp>
-          <p:pic>
-            <p:nvPicPr>
-              <p:cNvPr id="33" name="Picture 4" descr="아이폰 6 테두리 사진에 대한 이미지 검색결과">
-                <a:extLst>
-                  <a:ext uri="{FF2B5EF4-FFF2-40B4-BE49-F238E27FC236}">
-                    <a16:creationId xmlns:a16="http://schemas.microsoft.com/office/drawing/2014/main" id="{9DB74949-0003-4A71-AB6F-514663ED143F}"/>
-                  </a:ext>
-                </a:extLst>
-              </p:cNvPr>
-              <p:cNvPicPr>
-                <a:picLocks noChangeAspect="1" noChangeArrowheads="1"/>
-              </p:cNvPicPr>
-              <p:nvPr/>
-            </p:nvPicPr>
-            <p:blipFill rotWithShape="1">
-              <a:blip r:embed="rId2">
-                <a:extLst>
-                  <a:ext uri="{28A0092B-C50C-407E-A947-70E740481C1C}">
-                    <a14:useLocalDpi xmlns:a14="http://schemas.microsoft.com/office/drawing/2010/main" val="0"/>
-                  </a:ext>
-                </a:extLst>
-              </a:blip>
-              <a:srcRect r="64608"/>
-              <a:stretch/>
-            </p:blipFill>
-            <p:spPr bwMode="auto">
-              <a:xfrm>
-                <a:off x="423381" y="542924"/>
-                <a:ext cx="2295726" cy="4314826"/>
-              </a:xfrm>
-              <a:prstGeom prst="rect">
-                <a:avLst/>
-              </a:prstGeom>
-              <a:noFill/>
-              <a:ln>
-                <a:noFill/>
-              </a:ln>
-              <a:extLst>
-                <a:ext uri="{909E8E84-426E-40DD-AFC4-6F175D3DCCD1}">
-                  <a14:hiddenFill xmlns:a14="http://schemas.microsoft.com/office/drawing/2010/main">
-                    <a:solidFill>
-                      <a:srgbClr val="FFFFFF"/>
-                    </a:solidFill>
-                  </a14:hiddenFill>
-                </a:ext>
-              </a:extLst>
-            </p:spPr>
-          </p:pic>
-          <p:pic>
-            <p:nvPicPr>
-              <p:cNvPr id="34" name="그림 33">
-                <a:extLst>
-                  <a:ext uri="{FF2B5EF4-FFF2-40B4-BE49-F238E27FC236}">
-                    <a16:creationId xmlns:a16="http://schemas.microsoft.com/office/drawing/2014/main" id="{3FF85C11-30C0-42D4-88F4-BD9E32D576C5}"/>
-                  </a:ext>
-                </a:extLst>
-              </p:cNvPr>
-              <p:cNvPicPr>
-                <a:picLocks noChangeAspect="1"/>
-              </p:cNvPicPr>
-              <p:nvPr/>
-            </p:nvPicPr>
-            <p:blipFill rotWithShape="1">
-              <a:blip r:embed="rId8"/>
-              <a:srcRect l="33895" r="33852"/>
-              <a:stretch/>
-            </p:blipFill>
-            <p:spPr>
-              <a:xfrm>
-                <a:off x="713453" y="1265455"/>
-                <a:ext cx="1710000" cy="2982220"/>
-              </a:xfrm>
-              <a:prstGeom prst="rect">
-                <a:avLst/>
-              </a:prstGeom>
-              <a:ln>
-                <a:noFill/>
-              </a:ln>
-            </p:spPr>
-          </p:pic>
-          <p:sp>
-            <p:nvSpPr>
-              <p:cNvPr id="35" name="직사각형 34">
-                <a:extLst>
-                  <a:ext uri="{FF2B5EF4-FFF2-40B4-BE49-F238E27FC236}">
-                    <a16:creationId xmlns:a16="http://schemas.microsoft.com/office/drawing/2014/main" id="{25244149-96D2-4C0B-9076-BEC812AE4670}"/>
-                  </a:ext>
-                </a:extLst>
-              </p:cNvPr>
-              <p:cNvSpPr/>
-              <p:nvPr/>
-            </p:nvSpPr>
-            <p:spPr>
-              <a:xfrm>
-                <a:off x="3060700" y="2438727"/>
-                <a:ext cx="3059112" cy="523220"/>
-              </a:xfrm>
-              <a:prstGeom prst="rect">
-                <a:avLst/>
-              </a:prstGeom>
-              <a:ln>
-                <a:noFill/>
-              </a:ln>
-            </p:spPr>
-            <p:txBody>
-              <a:bodyPr wrap="square">
-                <a:spAutoFit/>
-              </a:bodyPr>
-              <a:lstStyle/>
-              <a:p>
-                <a:pPr algn="ctr"/>
-                <a:r>
-                  <a:rPr lang="ko-KR" altLang="en-US" sz="1400" dirty="0">
-                    <a:solidFill>
-                      <a:schemeClr val="tx1">
-                        <a:lumMod val="85000"/>
-                        <a:lumOff val="15000"/>
-                      </a:schemeClr>
-                    </a:solidFill>
-                    <a:latin typeface="1훈새마을운동 R" panose="02020603020101020101" pitchFamily="18" charset="-127"/>
-                    <a:ea typeface="1훈새마을운동 R" panose="02020603020101020101" pitchFamily="18" charset="-127"/>
-                  </a:rPr>
-                  <a:t>복사가 어려울 때는 촬영을 할 수 있습니다</a:t>
-                </a:r>
-                <a:r>
-                  <a:rPr lang="en-US" altLang="ko-KR" sz="1400" dirty="0">
-                    <a:solidFill>
-                      <a:schemeClr val="tx1">
-                        <a:lumMod val="85000"/>
-                        <a:lumOff val="15000"/>
-                      </a:schemeClr>
-                    </a:solidFill>
-                    <a:latin typeface="1훈새마을운동 R" panose="02020603020101020101" pitchFamily="18" charset="-127"/>
-                    <a:ea typeface="1훈새마을운동 R" panose="02020603020101020101" pitchFamily="18" charset="-127"/>
-                  </a:rPr>
-                  <a:t>.</a:t>
-                </a:r>
-              </a:p>
-              <a:p>
-                <a:pPr algn="ctr"/>
-                <a:r>
-                  <a:rPr lang="ko-KR" altLang="en-US" sz="1400" dirty="0">
-                    <a:solidFill>
-                      <a:schemeClr val="tx1">
-                        <a:lumMod val="85000"/>
-                        <a:lumOff val="15000"/>
-                      </a:schemeClr>
-                    </a:solidFill>
-                    <a:latin typeface="1훈새마을운동 R" panose="02020603020101020101" pitchFamily="18" charset="-127"/>
-                    <a:ea typeface="1훈새마을운동 R" panose="02020603020101020101" pitchFamily="18" charset="-127"/>
-                  </a:rPr>
-                  <a:t>좋아하는 소설을 완독해봐요</a:t>
-                </a:r>
-                <a:r>
-                  <a:rPr lang="en-US" altLang="ko-KR" sz="1400" dirty="0">
-                    <a:solidFill>
-                      <a:schemeClr val="tx1">
-                        <a:lumMod val="85000"/>
-                        <a:lumOff val="15000"/>
-                      </a:schemeClr>
-                    </a:solidFill>
-                    <a:latin typeface="1훈새마을운동 R" panose="02020603020101020101" pitchFamily="18" charset="-127"/>
-                    <a:ea typeface="1훈새마을운동 R" panose="02020603020101020101" pitchFamily="18" charset="-127"/>
-                  </a:rPr>
-                  <a:t>!</a:t>
-                </a:r>
-                <a:endParaRPr lang="ko-KR" altLang="en-US" sz="1400" dirty="0">
+                </a:rPr>
+                <a:t>! </a:t>
+              </a:r>
+              <a:r>
+                <a:rPr lang="ko-KR" altLang="en-US" sz="3200" dirty="0">
                   <a:solidFill>
                     <a:schemeClr val="tx1">
                       <a:lumMod val="85000"/>
@@ -4486,643 +5316,23 @@
                   </a:solidFill>
                   <a:latin typeface="1훈새마을운동 R" panose="02020603020101020101" pitchFamily="18" charset="-127"/>
                   <a:ea typeface="1훈새마을운동 R" panose="02020603020101020101" pitchFamily="18" charset="-127"/>
-                </a:endParaRPr>
-              </a:p>
-            </p:txBody>
-          </p:sp>
-          <p:grpSp>
-            <p:nvGrpSpPr>
-              <p:cNvPr id="36" name="그룹 35">
-                <a:extLst>
-                  <a:ext uri="{FF2B5EF4-FFF2-40B4-BE49-F238E27FC236}">
-                    <a16:creationId xmlns:a16="http://schemas.microsoft.com/office/drawing/2014/main" id="{A867847D-4480-4851-A306-6E494B0E53A5}"/>
-                  </a:ext>
-                </a:extLst>
-              </p:cNvPr>
-              <p:cNvGrpSpPr/>
-              <p:nvPr/>
-            </p:nvGrpSpPr>
-            <p:grpSpPr>
-              <a:xfrm>
-                <a:off x="707103" y="1181167"/>
-                <a:ext cx="1720800" cy="88292"/>
-                <a:chOff x="707103" y="1181167"/>
-                <a:chExt cx="1720800" cy="88292"/>
-              </a:xfrm>
-            </p:grpSpPr>
-            <p:pic>
-              <p:nvPicPr>
-                <p:cNvPr id="37" name="그림 36">
-                  <a:extLst>
-                    <a:ext uri="{FF2B5EF4-FFF2-40B4-BE49-F238E27FC236}">
-                      <a16:creationId xmlns:a16="http://schemas.microsoft.com/office/drawing/2014/main" id="{90A0829D-8BE1-449B-802A-61B05E5AE101}"/>
-                    </a:ext>
-                  </a:extLst>
-                </p:cNvPr>
-                <p:cNvPicPr>
-                  <a:picLocks noChangeAspect="1"/>
-                </p:cNvPicPr>
-                <p:nvPr/>
-              </p:nvPicPr>
-              <p:blipFill rotWithShape="1">
-                <a:blip r:embed="rId3">
-                  <a:duotone>
-                    <a:schemeClr val="bg2">
-                      <a:shade val="45000"/>
-                      <a:satMod val="135000"/>
+                </a:rPr>
+                <a:t>나는 </a:t>
+              </a:r>
+              <a:r>
+                <a:rPr lang="en-US" altLang="ko-KR" sz="4000" dirty="0">
+                  <a:solidFill>
+                    <a:schemeClr val="accent5">
+                      <a:lumMod val="75000"/>
                     </a:schemeClr>
-                    <a:prstClr val="white"/>
-                  </a:duotone>
-                </a:blip>
-                <a:srcRect b="97512"/>
-                <a:stretch/>
-              </p:blipFill>
-              <p:spPr>
-                <a:xfrm>
-                  <a:off x="707103" y="1181167"/>
-                  <a:ext cx="1720800" cy="88292"/>
-                </a:xfrm>
-                <a:prstGeom prst="rect">
-                  <a:avLst/>
-                </a:prstGeom>
-                <a:ln>
-                  <a:noFill/>
-                </a:ln>
-              </p:spPr>
-            </p:pic>
-            <p:pic>
-              <p:nvPicPr>
-                <p:cNvPr id="38" name="그림 37">
-                  <a:extLst>
-                    <a:ext uri="{FF2B5EF4-FFF2-40B4-BE49-F238E27FC236}">
-                      <a16:creationId xmlns:a16="http://schemas.microsoft.com/office/drawing/2014/main" id="{C730B62E-29C4-49A2-B6D5-E7F80E12C64A}"/>
-                    </a:ext>
-                  </a:extLst>
-                </p:cNvPr>
-                <p:cNvPicPr>
-                  <a:picLocks noChangeAspect="1"/>
-                </p:cNvPicPr>
-                <p:nvPr/>
-              </p:nvPicPr>
-              <p:blipFill rotWithShape="1">
-                <a:blip r:embed="rId4">
-                  <a:duotone>
-                    <a:schemeClr val="bg2">
-                      <a:shade val="45000"/>
-                      <a:satMod val="135000"/>
-                    </a:schemeClr>
-                    <a:prstClr val="white"/>
-                  </a:duotone>
-                  <a:extLst>
-                    <a:ext uri="{BEBA8EAE-BF5A-486C-A8C5-ECC9F3942E4B}">
-                      <a14:imgProps xmlns:a14="http://schemas.microsoft.com/office/drawing/2010/main">
-                        <a14:imgLayer r:embed="rId5">
-                          <a14:imgEffect>
-                            <a14:brightnessContrast bright="29000"/>
-                          </a14:imgEffect>
-                        </a14:imgLayer>
-                      </a14:imgProps>
-                    </a:ext>
-                  </a:extLst>
-                </a:blip>
-                <a:srcRect l="27545" r="55019" b="97512"/>
-                <a:stretch/>
-              </p:blipFill>
-              <p:spPr>
-                <a:xfrm>
-                  <a:off x="823911" y="1181167"/>
-                  <a:ext cx="300039" cy="88292"/>
-                </a:xfrm>
-                <a:prstGeom prst="rect">
-                  <a:avLst/>
-                </a:prstGeom>
-                <a:ln>
-                  <a:noFill/>
-                </a:ln>
-              </p:spPr>
-            </p:pic>
-          </p:grpSp>
-        </p:grpSp>
-        <p:grpSp>
-          <p:nvGrpSpPr>
-            <p:cNvPr id="39" name="그룹 38">
-              <a:extLst>
-                <a:ext uri="{FF2B5EF4-FFF2-40B4-BE49-F238E27FC236}">
-                  <a16:creationId xmlns:a16="http://schemas.microsoft.com/office/drawing/2014/main" id="{492AB20C-AD82-4D39-A2CE-A10FE95316E2}"/>
-                </a:ext>
-              </a:extLst>
-            </p:cNvPr>
-            <p:cNvGrpSpPr/>
-            <p:nvPr/>
-          </p:nvGrpSpPr>
-          <p:grpSpPr>
-            <a:xfrm>
-              <a:off x="793" y="20133884"/>
-              <a:ext cx="6119813" cy="5398009"/>
-              <a:chOff x="-1" y="2666"/>
-              <a:chExt cx="6119813" cy="5398009"/>
-            </a:xfrm>
-          </p:grpSpPr>
-          <p:sp>
-            <p:nvSpPr>
-              <p:cNvPr id="40" name="직사각형 39">
-                <a:extLst>
-                  <a:ext uri="{FF2B5EF4-FFF2-40B4-BE49-F238E27FC236}">
-                    <a16:creationId xmlns:a16="http://schemas.microsoft.com/office/drawing/2014/main" id="{8DC0AC81-95DF-47EC-B3EB-B5306E833CF9}"/>
-                  </a:ext>
-                </a:extLst>
-              </p:cNvPr>
-              <p:cNvSpPr/>
-              <p:nvPr/>
-            </p:nvSpPr>
-            <p:spPr>
-              <a:xfrm>
-                <a:off x="0" y="2666"/>
-                <a:ext cx="6119018" cy="5398009"/>
-              </a:xfrm>
-              <a:prstGeom prst="rect">
-                <a:avLst/>
-              </a:prstGeom>
-              <a:solidFill>
-                <a:schemeClr val="bg1"/>
-              </a:solidFill>
-              <a:ln>
-                <a:noFill/>
-              </a:ln>
-            </p:spPr>
-            <p:style>
-              <a:lnRef idx="2">
-                <a:schemeClr val="accent1">
-                  <a:shade val="50000"/>
-                </a:schemeClr>
-              </a:lnRef>
-              <a:fillRef idx="1">
-                <a:schemeClr val="accent1"/>
-              </a:fillRef>
-              <a:effectRef idx="0">
-                <a:schemeClr val="accent1"/>
-              </a:effectRef>
-              <a:fontRef idx="minor">
-                <a:schemeClr val="lt1"/>
-              </a:fontRef>
-            </p:style>
-            <p:txBody>
-              <a:bodyPr rtlCol="0" anchor="ctr"/>
-              <a:lstStyle/>
-              <a:p>
-                <a:pPr algn="ctr"/>
-                <a:endParaRPr lang="ko-KR" altLang="en-US"/>
-              </a:p>
-            </p:txBody>
-          </p:sp>
-          <p:pic>
-            <p:nvPicPr>
-              <p:cNvPr id="41" name="Picture 4" descr="아이폰 6 테두리 사진에 대한 이미지 검색결과">
-                <a:extLst>
-                  <a:ext uri="{FF2B5EF4-FFF2-40B4-BE49-F238E27FC236}">
-                    <a16:creationId xmlns:a16="http://schemas.microsoft.com/office/drawing/2014/main" id="{D79F58F6-A332-45FD-A86A-EBFC60568358}"/>
-                  </a:ext>
-                </a:extLst>
-              </p:cNvPr>
-              <p:cNvPicPr>
-                <a:picLocks noChangeAspect="1" noChangeArrowheads="1"/>
-              </p:cNvPicPr>
-              <p:nvPr/>
-            </p:nvPicPr>
-            <p:blipFill rotWithShape="1">
-              <a:blip r:embed="rId2">
-                <a:extLst>
-                  <a:ext uri="{28A0092B-C50C-407E-A947-70E740481C1C}">
-                    <a14:useLocalDpi xmlns:a14="http://schemas.microsoft.com/office/drawing/2010/main" val="0"/>
-                  </a:ext>
-                </a:extLst>
-              </a:blip>
-              <a:srcRect r="64608"/>
-              <a:stretch/>
-            </p:blipFill>
-            <p:spPr bwMode="auto">
-              <a:xfrm>
-                <a:off x="3400706" y="542924"/>
-                <a:ext cx="2295726" cy="4314826"/>
-              </a:xfrm>
-              <a:prstGeom prst="rect">
-                <a:avLst/>
-              </a:prstGeom>
-              <a:noFill/>
-              <a:ln>
-                <a:noFill/>
-              </a:ln>
-              <a:extLst>
-                <a:ext uri="{909E8E84-426E-40DD-AFC4-6F175D3DCCD1}">
-                  <a14:hiddenFill xmlns:a14="http://schemas.microsoft.com/office/drawing/2010/main">
-                    <a:solidFill>
-                      <a:srgbClr val="FFFFFF"/>
-                    </a:solidFill>
-                  </a14:hiddenFill>
-                </a:ext>
-              </a:extLst>
-            </p:spPr>
-          </p:pic>
-          <p:pic>
-            <p:nvPicPr>
-              <p:cNvPr id="42" name="그림 41">
-                <a:extLst>
-                  <a:ext uri="{FF2B5EF4-FFF2-40B4-BE49-F238E27FC236}">
-                    <a16:creationId xmlns:a16="http://schemas.microsoft.com/office/drawing/2014/main" id="{6999EBE7-A47E-4DDB-A595-635511709EBF}"/>
-                  </a:ext>
-                </a:extLst>
-              </p:cNvPr>
-              <p:cNvPicPr>
-                <a:picLocks noChangeAspect="1"/>
-              </p:cNvPicPr>
-              <p:nvPr/>
-            </p:nvPicPr>
-            <p:blipFill rotWithShape="1">
-              <a:blip r:embed="rId9"/>
-              <a:srcRect l="33912" r="33856"/>
-              <a:stretch/>
-            </p:blipFill>
-            <p:spPr>
-              <a:xfrm>
-                <a:off x="3690778" y="1259444"/>
-                <a:ext cx="1708906" cy="2982221"/>
-              </a:xfrm>
-              <a:prstGeom prst="rect">
-                <a:avLst/>
-              </a:prstGeom>
-              <a:ln>
-                <a:noFill/>
-              </a:ln>
-            </p:spPr>
-          </p:pic>
-          <p:pic>
-            <p:nvPicPr>
-              <p:cNvPr id="43" name="Picture 4" descr="아이폰 6 테두리 사진에 대한 이미지 검색결과">
-                <a:extLst>
-                  <a:ext uri="{FF2B5EF4-FFF2-40B4-BE49-F238E27FC236}">
-                    <a16:creationId xmlns:a16="http://schemas.microsoft.com/office/drawing/2014/main" id="{3362FE88-161F-4D45-A70C-610456A47EE4}"/>
-                  </a:ext>
-                </a:extLst>
-              </p:cNvPr>
-              <p:cNvPicPr>
-                <a:picLocks noChangeAspect="1" noChangeArrowheads="1"/>
-              </p:cNvPicPr>
-              <p:nvPr/>
-            </p:nvPicPr>
-            <p:blipFill rotWithShape="1">
-              <a:blip r:embed="rId2">
-                <a:extLst>
-                  <a:ext uri="{28A0092B-C50C-407E-A947-70E740481C1C}">
-                    <a14:useLocalDpi xmlns:a14="http://schemas.microsoft.com/office/drawing/2010/main" val="0"/>
-                  </a:ext>
-                </a:extLst>
-              </a:blip>
-              <a:srcRect r="64608"/>
-              <a:stretch/>
-            </p:blipFill>
-            <p:spPr bwMode="auto">
-              <a:xfrm>
-                <a:off x="423381" y="542924"/>
-                <a:ext cx="2295726" cy="4314826"/>
-              </a:xfrm>
-              <a:prstGeom prst="rect">
-                <a:avLst/>
-              </a:prstGeom>
-              <a:noFill/>
-              <a:ln>
-                <a:noFill/>
-              </a:ln>
-              <a:extLst>
-                <a:ext uri="{909E8E84-426E-40DD-AFC4-6F175D3DCCD1}">
-                  <a14:hiddenFill xmlns:a14="http://schemas.microsoft.com/office/drawing/2010/main">
-                    <a:solidFill>
-                      <a:srgbClr val="FFFFFF"/>
-                    </a:solidFill>
-                  </a14:hiddenFill>
-                </a:ext>
-              </a:extLst>
-            </p:spPr>
-          </p:pic>
-          <p:pic>
-            <p:nvPicPr>
-              <p:cNvPr id="44" name="그림 43">
-                <a:extLst>
-                  <a:ext uri="{FF2B5EF4-FFF2-40B4-BE49-F238E27FC236}">
-                    <a16:creationId xmlns:a16="http://schemas.microsoft.com/office/drawing/2014/main" id="{8E3716BA-BDE1-4A0A-B95E-696C403A237C}"/>
-                  </a:ext>
-                </a:extLst>
-              </p:cNvPr>
-              <p:cNvPicPr>
-                <a:picLocks noChangeAspect="1"/>
-              </p:cNvPicPr>
-              <p:nvPr/>
-            </p:nvPicPr>
-            <p:blipFill rotWithShape="1">
-              <a:blip r:embed="rId10"/>
-              <a:srcRect l="33917" r="33850"/>
-              <a:stretch/>
-            </p:blipFill>
-            <p:spPr>
-              <a:xfrm>
-                <a:off x="713453" y="1265455"/>
-                <a:ext cx="1708906" cy="2982220"/>
-              </a:xfrm>
-              <a:prstGeom prst="rect">
-                <a:avLst/>
-              </a:prstGeom>
-              <a:ln>
-                <a:noFill/>
-              </a:ln>
-            </p:spPr>
-          </p:pic>
-          <p:grpSp>
-            <p:nvGrpSpPr>
-              <p:cNvPr id="45" name="그룹 44">
-                <a:extLst>
-                  <a:ext uri="{FF2B5EF4-FFF2-40B4-BE49-F238E27FC236}">
-                    <a16:creationId xmlns:a16="http://schemas.microsoft.com/office/drawing/2014/main" id="{F4408A3F-F492-4FE6-921E-F615A9520D85}"/>
-                  </a:ext>
-                </a:extLst>
-              </p:cNvPr>
-              <p:cNvGrpSpPr/>
-              <p:nvPr/>
-            </p:nvGrpSpPr>
-            <p:grpSpPr>
-              <a:xfrm>
-                <a:off x="707103" y="1181167"/>
-                <a:ext cx="1720800" cy="88292"/>
-                <a:chOff x="707103" y="1181167"/>
-                <a:chExt cx="1720800" cy="88292"/>
-              </a:xfrm>
-            </p:grpSpPr>
-            <p:pic>
-              <p:nvPicPr>
-                <p:cNvPr id="50" name="그림 49">
-                  <a:extLst>
-                    <a:ext uri="{FF2B5EF4-FFF2-40B4-BE49-F238E27FC236}">
-                      <a16:creationId xmlns:a16="http://schemas.microsoft.com/office/drawing/2014/main" id="{3B514EB9-5C69-499E-B6C1-BBEDF1768D70}"/>
-                    </a:ext>
-                  </a:extLst>
-                </p:cNvPr>
-                <p:cNvPicPr>
-                  <a:picLocks noChangeAspect="1"/>
-                </p:cNvPicPr>
-                <p:nvPr/>
-              </p:nvPicPr>
-              <p:blipFill rotWithShape="1">
-                <a:blip r:embed="rId3">
-                  <a:duotone>
-                    <a:schemeClr val="bg2">
-                      <a:shade val="45000"/>
-                      <a:satMod val="135000"/>
-                    </a:schemeClr>
-                    <a:prstClr val="white"/>
-                  </a:duotone>
-                </a:blip>
-                <a:srcRect b="97512"/>
-                <a:stretch/>
-              </p:blipFill>
-              <p:spPr>
-                <a:xfrm>
-                  <a:off x="707103" y="1181167"/>
-                  <a:ext cx="1720800" cy="88292"/>
-                </a:xfrm>
-                <a:prstGeom prst="rect">
-                  <a:avLst/>
-                </a:prstGeom>
-                <a:ln>
-                  <a:noFill/>
-                </a:ln>
-              </p:spPr>
-            </p:pic>
-            <p:pic>
-              <p:nvPicPr>
-                <p:cNvPr id="51" name="그림 50">
-                  <a:extLst>
-                    <a:ext uri="{FF2B5EF4-FFF2-40B4-BE49-F238E27FC236}">
-                      <a16:creationId xmlns:a16="http://schemas.microsoft.com/office/drawing/2014/main" id="{68F6ED4F-E796-4262-8297-05BEB9A1AC49}"/>
-                    </a:ext>
-                  </a:extLst>
-                </p:cNvPr>
-                <p:cNvPicPr>
-                  <a:picLocks noChangeAspect="1"/>
-                </p:cNvPicPr>
-                <p:nvPr/>
-              </p:nvPicPr>
-              <p:blipFill rotWithShape="1">
-                <a:blip r:embed="rId4">
-                  <a:duotone>
-                    <a:schemeClr val="bg2">
-                      <a:shade val="45000"/>
-                      <a:satMod val="135000"/>
-                    </a:schemeClr>
-                    <a:prstClr val="white"/>
-                  </a:duotone>
-                  <a:extLst>
-                    <a:ext uri="{BEBA8EAE-BF5A-486C-A8C5-ECC9F3942E4B}">
-                      <a14:imgProps xmlns:a14="http://schemas.microsoft.com/office/drawing/2010/main">
-                        <a14:imgLayer r:embed="rId5">
-                          <a14:imgEffect>
-                            <a14:brightnessContrast bright="29000"/>
-                          </a14:imgEffect>
-                        </a14:imgLayer>
-                      </a14:imgProps>
-                    </a:ext>
-                  </a:extLst>
-                </a:blip>
-                <a:srcRect l="27545" r="55019" b="97512"/>
-                <a:stretch/>
-              </p:blipFill>
-              <p:spPr>
-                <a:xfrm>
-                  <a:off x="823911" y="1181167"/>
-                  <a:ext cx="300039" cy="88292"/>
-                </a:xfrm>
-                <a:prstGeom prst="rect">
-                  <a:avLst/>
-                </a:prstGeom>
-                <a:ln>
-                  <a:noFill/>
-                </a:ln>
-              </p:spPr>
-            </p:pic>
-          </p:grpSp>
-          <p:grpSp>
-            <p:nvGrpSpPr>
-              <p:cNvPr id="46" name="그룹 45">
-                <a:extLst>
-                  <a:ext uri="{FF2B5EF4-FFF2-40B4-BE49-F238E27FC236}">
-                    <a16:creationId xmlns:a16="http://schemas.microsoft.com/office/drawing/2014/main" id="{74C0370D-6EC5-4948-8281-D95A40DF0F0D}"/>
-                  </a:ext>
-                </a:extLst>
-              </p:cNvPr>
-              <p:cNvGrpSpPr/>
-              <p:nvPr/>
-            </p:nvGrpSpPr>
-            <p:grpSpPr>
-              <a:xfrm>
-                <a:off x="3684428" y="1181167"/>
-                <a:ext cx="1720800" cy="88292"/>
-                <a:chOff x="707103" y="1181167"/>
-                <a:chExt cx="1720800" cy="88292"/>
-              </a:xfrm>
-            </p:grpSpPr>
-            <p:pic>
-              <p:nvPicPr>
-                <p:cNvPr id="48" name="그림 47">
-                  <a:extLst>
-                    <a:ext uri="{FF2B5EF4-FFF2-40B4-BE49-F238E27FC236}">
-                      <a16:creationId xmlns:a16="http://schemas.microsoft.com/office/drawing/2014/main" id="{427BDEA6-DA07-4901-811F-2AB8C421E51B}"/>
-                    </a:ext>
-                  </a:extLst>
-                </p:cNvPr>
-                <p:cNvPicPr>
-                  <a:picLocks noChangeAspect="1"/>
-                </p:cNvPicPr>
-                <p:nvPr/>
-              </p:nvPicPr>
-              <p:blipFill rotWithShape="1">
-                <a:blip r:embed="rId3">
-                  <a:duotone>
-                    <a:schemeClr val="bg2">
-                      <a:shade val="45000"/>
-                      <a:satMod val="135000"/>
-                    </a:schemeClr>
-                    <a:prstClr val="white"/>
-                  </a:duotone>
-                </a:blip>
-                <a:srcRect b="97512"/>
-                <a:stretch/>
-              </p:blipFill>
-              <p:spPr>
-                <a:xfrm>
-                  <a:off x="707103" y="1181167"/>
-                  <a:ext cx="1720800" cy="88292"/>
-                </a:xfrm>
-                <a:prstGeom prst="rect">
-                  <a:avLst/>
-                </a:prstGeom>
-                <a:ln>
-                  <a:noFill/>
-                </a:ln>
-              </p:spPr>
-            </p:pic>
-            <p:pic>
-              <p:nvPicPr>
-                <p:cNvPr id="49" name="그림 48">
-                  <a:extLst>
-                    <a:ext uri="{FF2B5EF4-FFF2-40B4-BE49-F238E27FC236}">
-                      <a16:creationId xmlns:a16="http://schemas.microsoft.com/office/drawing/2014/main" id="{5773C925-F294-494B-B07D-679D3F9918A5}"/>
-                    </a:ext>
-                  </a:extLst>
-                </p:cNvPr>
-                <p:cNvPicPr>
-                  <a:picLocks noChangeAspect="1"/>
-                </p:cNvPicPr>
-                <p:nvPr/>
-              </p:nvPicPr>
-              <p:blipFill rotWithShape="1">
-                <a:blip r:embed="rId4">
-                  <a:duotone>
-                    <a:schemeClr val="bg2">
-                      <a:shade val="45000"/>
-                      <a:satMod val="135000"/>
-                    </a:schemeClr>
-                    <a:prstClr val="white"/>
-                  </a:duotone>
-                  <a:extLst>
-                    <a:ext uri="{BEBA8EAE-BF5A-486C-A8C5-ECC9F3942E4B}">
-                      <a14:imgProps xmlns:a14="http://schemas.microsoft.com/office/drawing/2010/main">
-                        <a14:imgLayer r:embed="rId5">
-                          <a14:imgEffect>
-                            <a14:brightnessContrast bright="29000"/>
-                          </a14:imgEffect>
-                        </a14:imgLayer>
-                      </a14:imgProps>
-                    </a:ext>
-                  </a:extLst>
-                </a:blip>
-                <a:srcRect l="27545" r="55019" b="97512"/>
-                <a:stretch/>
-              </p:blipFill>
-              <p:spPr>
-                <a:xfrm>
-                  <a:off x="823911" y="1181167"/>
-                  <a:ext cx="300039" cy="88292"/>
-                </a:xfrm>
-                <a:prstGeom prst="rect">
-                  <a:avLst/>
-                </a:prstGeom>
-                <a:ln>
-                  <a:noFill/>
-                </a:ln>
-              </p:spPr>
-            </p:pic>
-          </p:grpSp>
-          <p:sp>
-            <p:nvSpPr>
-              <p:cNvPr id="47" name="직사각형 46">
-                <a:extLst>
-                  <a:ext uri="{FF2B5EF4-FFF2-40B4-BE49-F238E27FC236}">
-                    <a16:creationId xmlns:a16="http://schemas.microsoft.com/office/drawing/2014/main" id="{BAE20672-CD29-4D29-B560-9F5CD6049B38}"/>
-                  </a:ext>
-                </a:extLst>
-              </p:cNvPr>
-              <p:cNvSpPr/>
-              <p:nvPr/>
-            </p:nvSpPr>
-            <p:spPr>
-              <a:xfrm>
-                <a:off x="-1" y="4855010"/>
-                <a:ext cx="6119813" cy="307777"/>
-              </a:xfrm>
-              <a:prstGeom prst="rect">
-                <a:avLst/>
-              </a:prstGeom>
-              <a:ln>
-                <a:noFill/>
-              </a:ln>
-              <a:effectLst>
-                <a:glow>
-                  <a:srgbClr val="77BF6D"/>
-                </a:glow>
-                <a:reflection blurRad="12700" stA="96000" endPos="0" dir="5400000" sy="-100000" algn="bl" rotWithShape="0"/>
-              </a:effectLst>
-            </p:spPr>
-            <p:txBody>
-              <a:bodyPr wrap="square">
-                <a:spAutoFit/>
-              </a:bodyPr>
-              <a:lstStyle/>
-              <a:p>
-                <a:pPr algn="ctr"/>
-                <a:r>
-                  <a:rPr lang="ko-KR" altLang="en-US" sz="1400" dirty="0">
-                    <a:solidFill>
-                      <a:schemeClr val="tx1">
-                        <a:lumMod val="85000"/>
-                        <a:lumOff val="15000"/>
-                      </a:schemeClr>
-                    </a:solidFill>
-                    <a:latin typeface="1훈새마을운동 R" panose="02020603020101020101" pitchFamily="18" charset="-127"/>
-                    <a:ea typeface="1훈새마을운동 R" panose="02020603020101020101" pitchFamily="18" charset="-127"/>
-                  </a:rPr>
-                  <a:t>이보다 손쉽게 단어를 정리할 수 있어</a:t>
-                </a:r>
-                <a:r>
-                  <a:rPr lang="en-US" altLang="ko-KR" sz="1400" dirty="0">
-                    <a:solidFill>
-                      <a:schemeClr val="tx1">
-                        <a:lumMod val="85000"/>
-                        <a:lumOff val="15000"/>
-                      </a:schemeClr>
-                    </a:solidFill>
-                    <a:latin typeface="1훈새마을운동 R" panose="02020603020101020101" pitchFamily="18" charset="-127"/>
-                    <a:ea typeface="1훈새마을운동 R" panose="02020603020101020101" pitchFamily="18" charset="-127"/>
-                  </a:rPr>
-                  <a:t>?</a:t>
-                </a:r>
-                <a:endParaRPr lang="ko-KR" altLang="en-US" sz="1400" dirty="0">
+                  </a:solidFill>
+                  <a:latin typeface="1훈새마을운동 R" panose="02020603020101020101" pitchFamily="18" charset="-127"/>
+                  <a:ea typeface="1훈새마을운동 R" panose="02020603020101020101" pitchFamily="18" charset="-127"/>
+                </a:rPr>
+                <a:t>“Smarty word”</a:t>
+              </a:r>
+              <a:r>
+                <a:rPr lang="en-US" altLang="ko-KR" sz="4000" b="1" dirty="0">
                   <a:solidFill>
                     <a:schemeClr val="tx1">
                       <a:lumMod val="85000"/>
@@ -5131,137 +5341,36 @@
                   </a:solidFill>
                   <a:latin typeface="1훈새마을운동 R" panose="02020603020101020101" pitchFamily="18" charset="-127"/>
                   <a:ea typeface="1훈새마을운동 R" panose="02020603020101020101" pitchFamily="18" charset="-127"/>
-                </a:endParaRPr>
-              </a:p>
-            </p:txBody>
-          </p:sp>
-        </p:grpSp>
-      </p:grpSp>
-      <p:sp>
-        <p:nvSpPr>
-          <p:cNvPr id="52" name="TextBox 1">
-            <a:extLst>
-              <a:ext uri="{FF2B5EF4-FFF2-40B4-BE49-F238E27FC236}">
-                <a16:creationId xmlns:a16="http://schemas.microsoft.com/office/drawing/2014/main" id="{48BF53CC-B4B4-4985-B6C7-15DCCA8E832E}"/>
-              </a:ext>
-            </a:extLst>
-          </p:cNvPr>
-          <p:cNvSpPr txBox="1"/>
-          <p:nvPr/>
-        </p:nvSpPr>
-        <p:spPr>
-          <a:xfrm>
-            <a:off x="-25233" y="879061"/>
-            <a:ext cx="6170279" cy="707886"/>
-          </a:xfrm>
-          <a:prstGeom prst="rect">
-            <a:avLst/>
-          </a:prstGeom>
-          <a:noFill/>
-        </p:spPr>
-        <p:txBody>
-          <a:bodyPr wrap="none" rtlCol="0">
-            <a:spAutoFit/>
-          </a:bodyPr>
-          <a:lstStyle>
-            <a:defPPr>
-              <a:defRPr lang="en-US"/>
-            </a:defPPr>
-            <a:lvl1pPr marL="0" algn="l" defTabSz="457200" rtl="0" eaLnBrk="1" latinLnBrk="0" hangingPunct="1">
-              <a:defRPr sz="1800" kern="1200">
-                <a:solidFill>
-                  <a:schemeClr val="tx1"/>
-                </a:solidFill>
-                <a:latin typeface="+mn-lt"/>
-                <a:ea typeface="+mn-ea"/>
-                <a:cs typeface="+mn-cs"/>
-              </a:defRPr>
-            </a:lvl1pPr>
-            <a:lvl2pPr marL="457200" algn="l" defTabSz="457200" rtl="0" eaLnBrk="1" latinLnBrk="0" hangingPunct="1">
-              <a:defRPr sz="1800" kern="1200">
-                <a:solidFill>
-                  <a:schemeClr val="tx1"/>
-                </a:solidFill>
-                <a:latin typeface="+mn-lt"/>
-                <a:ea typeface="+mn-ea"/>
-                <a:cs typeface="+mn-cs"/>
-              </a:defRPr>
-            </a:lvl2pPr>
-            <a:lvl3pPr marL="914400" algn="l" defTabSz="457200" rtl="0" eaLnBrk="1" latinLnBrk="0" hangingPunct="1">
-              <a:defRPr sz="1800" kern="1200">
-                <a:solidFill>
-                  <a:schemeClr val="tx1"/>
-                </a:solidFill>
-                <a:latin typeface="+mn-lt"/>
-                <a:ea typeface="+mn-ea"/>
-                <a:cs typeface="+mn-cs"/>
-              </a:defRPr>
-            </a:lvl3pPr>
-            <a:lvl4pPr marL="1371600" algn="l" defTabSz="457200" rtl="0" eaLnBrk="1" latinLnBrk="0" hangingPunct="1">
-              <a:defRPr sz="1800" kern="1200">
-                <a:solidFill>
-                  <a:schemeClr val="tx1"/>
-                </a:solidFill>
-                <a:latin typeface="+mn-lt"/>
-                <a:ea typeface="+mn-ea"/>
-                <a:cs typeface="+mn-cs"/>
-              </a:defRPr>
-            </a:lvl4pPr>
-            <a:lvl5pPr marL="1828800" algn="l" defTabSz="457200" rtl="0" eaLnBrk="1" latinLnBrk="0" hangingPunct="1">
-              <a:defRPr sz="1800" kern="1200">
-                <a:solidFill>
-                  <a:schemeClr val="tx1"/>
-                </a:solidFill>
-                <a:latin typeface="+mn-lt"/>
-                <a:ea typeface="+mn-ea"/>
-                <a:cs typeface="+mn-cs"/>
-              </a:defRPr>
-            </a:lvl5pPr>
-            <a:lvl6pPr marL="2286000" algn="l" defTabSz="457200" rtl="0" eaLnBrk="1" latinLnBrk="0" hangingPunct="1">
-              <a:defRPr sz="1800" kern="1200">
-                <a:solidFill>
-                  <a:schemeClr val="tx1"/>
-                </a:solidFill>
-                <a:latin typeface="+mn-lt"/>
-                <a:ea typeface="+mn-ea"/>
-                <a:cs typeface="+mn-cs"/>
-              </a:defRPr>
-            </a:lvl6pPr>
-            <a:lvl7pPr marL="2743200" algn="l" defTabSz="457200" rtl="0" eaLnBrk="1" latinLnBrk="0" hangingPunct="1">
-              <a:defRPr sz="1800" kern="1200">
-                <a:solidFill>
-                  <a:schemeClr val="tx1"/>
-                </a:solidFill>
-                <a:latin typeface="+mn-lt"/>
-                <a:ea typeface="+mn-ea"/>
-                <a:cs typeface="+mn-cs"/>
-              </a:defRPr>
-            </a:lvl7pPr>
-            <a:lvl8pPr marL="3200400" algn="l" defTabSz="457200" rtl="0" eaLnBrk="1" latinLnBrk="0" hangingPunct="1">
-              <a:defRPr sz="1800" kern="1200">
-                <a:solidFill>
-                  <a:schemeClr val="tx1"/>
-                </a:solidFill>
-                <a:latin typeface="+mn-lt"/>
-                <a:ea typeface="+mn-ea"/>
-                <a:cs typeface="+mn-cs"/>
-              </a:defRPr>
-            </a:lvl8pPr>
-            <a:lvl9pPr marL="3657600" algn="l" defTabSz="457200" rtl="0" eaLnBrk="1" latinLnBrk="0" hangingPunct="1">
-              <a:defRPr sz="1800" kern="1200">
-                <a:solidFill>
-                  <a:schemeClr val="tx1"/>
-                </a:solidFill>
-                <a:latin typeface="+mn-lt"/>
-                <a:ea typeface="+mn-ea"/>
-                <a:cs typeface="+mn-cs"/>
-              </a:defRPr>
-            </a:lvl9pPr>
-          </a:lstStyle>
-          <a:p>
-            <a:pPr algn="ctr"/>
-            <a:r>
-              <a:rPr lang="ko-KR" altLang="en-US" sz="3200" dirty="0">
+                </a:rPr>
+                <a:t> </a:t>
+              </a:r>
+              <a:r>
+                <a:rPr lang="ko-KR" altLang="en-US" sz="3200" dirty="0" err="1">
+                  <a:solidFill>
+                    <a:schemeClr val="tx1">
+                      <a:lumMod val="85000"/>
+                      <a:lumOff val="15000"/>
+                    </a:schemeClr>
+                  </a:solidFill>
+                  <a:latin typeface="1훈새마을운동 R" panose="02020603020101020101" pitchFamily="18" charset="-127"/>
+                  <a:ea typeface="1훈새마을운동 R" panose="02020603020101020101" pitchFamily="18" charset="-127"/>
+                </a:rPr>
+                <a:t>라고해</a:t>
+              </a:r>
+              <a:r>
+                <a:rPr lang="en-US" altLang="ko-KR" sz="3200" dirty="0">
+                  <a:solidFill>
+                    <a:schemeClr val="tx1">
+                      <a:lumMod val="85000"/>
+                      <a:lumOff val="15000"/>
+                    </a:schemeClr>
+                  </a:solidFill>
+                  <a:latin typeface="1훈새마을운동 R" panose="02020603020101020101" pitchFamily="18" charset="-127"/>
+                  <a:ea typeface="1훈새마을운동 R" panose="02020603020101020101" pitchFamily="18" charset="-127"/>
+                </a:rPr>
+                <a:t>!</a:t>
+              </a:r>
+              <a:endParaRPr lang="ko-KR" altLang="en-US" sz="3200" dirty="0">
                 <a:solidFill>
                   <a:schemeClr val="tx1">
                     <a:lumMod val="85000"/>
@@ -5270,99 +5379,11 @@
                 </a:solidFill>
                 <a:latin typeface="1훈새마을운동 R" panose="02020603020101020101" pitchFamily="18" charset="-127"/>
                 <a:ea typeface="1훈새마을운동 R" panose="02020603020101020101" pitchFamily="18" charset="-127"/>
-              </a:rPr>
-              <a:t>안녕</a:t>
-            </a:r>
-            <a:r>
-              <a:rPr lang="en-US" altLang="ko-KR" sz="3200" dirty="0">
-                <a:solidFill>
-                  <a:schemeClr val="tx1">
-                    <a:lumMod val="85000"/>
-                    <a:lumOff val="15000"/>
-                  </a:schemeClr>
-                </a:solidFill>
-                <a:latin typeface="1훈새마을운동 R" panose="02020603020101020101" pitchFamily="18" charset="-127"/>
-                <a:ea typeface="1훈새마을운동 R" panose="02020603020101020101" pitchFamily="18" charset="-127"/>
-              </a:rPr>
-              <a:t>! </a:t>
-            </a:r>
-            <a:r>
-              <a:rPr lang="ko-KR" altLang="en-US" sz="3200" dirty="0">
-                <a:solidFill>
-                  <a:schemeClr val="tx1">
-                    <a:lumMod val="85000"/>
-                    <a:lumOff val="15000"/>
-                  </a:schemeClr>
-                </a:solidFill>
-                <a:latin typeface="1훈새마을운동 R" panose="02020603020101020101" pitchFamily="18" charset="-127"/>
-                <a:ea typeface="1훈새마을운동 R" panose="02020603020101020101" pitchFamily="18" charset="-127"/>
-              </a:rPr>
-              <a:t>나는 </a:t>
-            </a:r>
-            <a:r>
-              <a:rPr lang="en-US" altLang="ko-KR" sz="4000" dirty="0">
-                <a:solidFill>
-                  <a:schemeClr val="accent5">
-                    <a:lumMod val="75000"/>
-                  </a:schemeClr>
-                </a:solidFill>
-                <a:latin typeface="1훈새마을운동 R" panose="02020603020101020101" pitchFamily="18" charset="-127"/>
-                <a:ea typeface="1훈새마을운동 R" panose="02020603020101020101" pitchFamily="18" charset="-127"/>
-              </a:rPr>
-              <a:t>“Smarty word”</a:t>
-            </a:r>
-            <a:r>
-              <a:rPr lang="en-US" altLang="ko-KR" sz="4000" b="1" dirty="0">
-                <a:solidFill>
-                  <a:schemeClr val="tx1">
-                    <a:lumMod val="85000"/>
-                    <a:lumOff val="15000"/>
-                  </a:schemeClr>
-                </a:solidFill>
-                <a:latin typeface="1훈새마을운동 R" panose="02020603020101020101" pitchFamily="18" charset="-127"/>
-                <a:ea typeface="1훈새마을운동 R" panose="02020603020101020101" pitchFamily="18" charset="-127"/>
-              </a:rPr>
-              <a:t> </a:t>
-            </a:r>
-            <a:r>
-              <a:rPr lang="ko-KR" altLang="en-US" sz="3200" dirty="0" err="1">
-                <a:solidFill>
-                  <a:schemeClr val="tx1">
-                    <a:lumMod val="85000"/>
-                    <a:lumOff val="15000"/>
-                  </a:schemeClr>
-                </a:solidFill>
-                <a:latin typeface="1훈새마을운동 R" panose="02020603020101020101" pitchFamily="18" charset="-127"/>
-                <a:ea typeface="1훈새마을운동 R" panose="02020603020101020101" pitchFamily="18" charset="-127"/>
-              </a:rPr>
-              <a:t>라고해</a:t>
-            </a:r>
-            <a:r>
-              <a:rPr lang="en-US" altLang="ko-KR" sz="3200" dirty="0">
-                <a:solidFill>
-                  <a:schemeClr val="tx1">
-                    <a:lumMod val="85000"/>
-                    <a:lumOff val="15000"/>
-                  </a:schemeClr>
-                </a:solidFill>
-                <a:latin typeface="1훈새마을운동 R" panose="02020603020101020101" pitchFamily="18" charset="-127"/>
-                <a:ea typeface="1훈새마을운동 R" panose="02020603020101020101" pitchFamily="18" charset="-127"/>
-              </a:rPr>
-              <a:t>!</a:t>
-            </a:r>
-            <a:endParaRPr lang="ko-KR" altLang="en-US" sz="3200" dirty="0">
-              <a:solidFill>
-                <a:schemeClr val="tx1">
-                  <a:lumMod val="85000"/>
-                  <a:lumOff val="15000"/>
-                </a:schemeClr>
-              </a:solidFill>
-              <a:latin typeface="1훈새마을운동 R" panose="02020603020101020101" pitchFamily="18" charset="-127"/>
-              <a:ea typeface="1훈새마을운동 R" panose="02020603020101020101" pitchFamily="18" charset="-127"/>
-            </a:endParaRPr>
-          </a:p>
-        </p:txBody>
-      </p:sp>
+              </a:endParaRPr>
+            </a:p>
+          </p:txBody>
+        </p:sp>
+      </p:grpSp>
     </p:spTree>
     <p:extLst>
       <p:ext uri="{BB962C8B-B14F-4D97-AF65-F5344CB8AC3E}">
